--- a/Programms/poses_capture/Poses.pptx
+++ b/Programms/poses_capture/Poses.pptx
@@ -6,15 +6,19 @@
   </p:sldMasterIdLst>
   <p:sldIdLst>
     <p:sldId id="256" r:id="rId2"/>
-    <p:sldId id="257" r:id="rId3"/>
-    <p:sldId id="258" r:id="rId4"/>
-    <p:sldId id="259" r:id="rId5"/>
-    <p:sldId id="260" r:id="rId6"/>
-    <p:sldId id="261" r:id="rId7"/>
-    <p:sldId id="262" r:id="rId8"/>
-    <p:sldId id="263" r:id="rId9"/>
-    <p:sldId id="264" r:id="rId10"/>
-    <p:sldId id="265" r:id="rId11"/>
+    <p:sldId id="258" r:id="rId3"/>
+    <p:sldId id="259" r:id="rId4"/>
+    <p:sldId id="260" r:id="rId5"/>
+    <p:sldId id="269" r:id="rId6"/>
+    <p:sldId id="257" r:id="rId7"/>
+    <p:sldId id="266" r:id="rId8"/>
+    <p:sldId id="267" r:id="rId9"/>
+    <p:sldId id="261" r:id="rId10"/>
+    <p:sldId id="262" r:id="rId11"/>
+    <p:sldId id="263" r:id="rId12"/>
+    <p:sldId id="264" r:id="rId13"/>
+    <p:sldId id="270" r:id="rId14"/>
+    <p:sldId id="265" r:id="rId15"/>
   </p:sldIdLst>
   <p:sldSz cx="12192000" cy="6858000"/>
   <p:notesSz cx="6858000" cy="9144000"/>
@@ -113,6 +117,11 @@
       </a:defRPr>
     </a:lvl9pPr>
   </p:defaultTextStyle>
+  <p:extLst>
+    <p:ext uri="{EFAFB233-063F-42B5-8137-9DF3F51BA10A}">
+      <p15:sldGuideLst xmlns:p15="http://schemas.microsoft.com/office/powerpoint/2012/main"/>
+    </p:ext>
+  </p:extLst>
 </p:presentation>
 </file>
 
@@ -247,7 +256,7 @@
           <a:p>
             <a:fld id="{6FA4B11F-E379-45F6-A573-7F25F0B1338C}" type="datetimeFigureOut">
               <a:rPr lang="ru-RU" smtClean="0"/>
-              <a:t>24.02.2018</a:t>
+              <a:t>26.02.2018</a:t>
             </a:fld>
             <a:endParaRPr lang="ru-RU"/>
           </a:p>
@@ -417,7 +426,7 @@
           <a:p>
             <a:fld id="{6FA4B11F-E379-45F6-A573-7F25F0B1338C}" type="datetimeFigureOut">
               <a:rPr lang="ru-RU" smtClean="0"/>
-              <a:t>24.02.2018</a:t>
+              <a:t>26.02.2018</a:t>
             </a:fld>
             <a:endParaRPr lang="ru-RU"/>
           </a:p>
@@ -597,7 +606,7 @@
           <a:p>
             <a:fld id="{6FA4B11F-E379-45F6-A573-7F25F0B1338C}" type="datetimeFigureOut">
               <a:rPr lang="ru-RU" smtClean="0"/>
-              <a:t>24.02.2018</a:t>
+              <a:t>26.02.2018</a:t>
             </a:fld>
             <a:endParaRPr lang="ru-RU"/>
           </a:p>
@@ -767,7 +776,7 @@
           <a:p>
             <a:fld id="{6FA4B11F-E379-45F6-A573-7F25F0B1338C}" type="datetimeFigureOut">
               <a:rPr lang="ru-RU" smtClean="0"/>
-              <a:t>24.02.2018</a:t>
+              <a:t>26.02.2018</a:t>
             </a:fld>
             <a:endParaRPr lang="ru-RU"/>
           </a:p>
@@ -1013,7 +1022,7 @@
           <a:p>
             <a:fld id="{6FA4B11F-E379-45F6-A573-7F25F0B1338C}" type="datetimeFigureOut">
               <a:rPr lang="ru-RU" smtClean="0"/>
-              <a:t>24.02.2018</a:t>
+              <a:t>26.02.2018</a:t>
             </a:fld>
             <a:endParaRPr lang="ru-RU"/>
           </a:p>
@@ -1245,7 +1254,7 @@
           <a:p>
             <a:fld id="{6FA4B11F-E379-45F6-A573-7F25F0B1338C}" type="datetimeFigureOut">
               <a:rPr lang="ru-RU" smtClean="0"/>
-              <a:t>24.02.2018</a:t>
+              <a:t>26.02.2018</a:t>
             </a:fld>
             <a:endParaRPr lang="ru-RU"/>
           </a:p>
@@ -1612,7 +1621,7 @@
           <a:p>
             <a:fld id="{6FA4B11F-E379-45F6-A573-7F25F0B1338C}" type="datetimeFigureOut">
               <a:rPr lang="ru-RU" smtClean="0"/>
-              <a:t>24.02.2018</a:t>
+              <a:t>26.02.2018</a:t>
             </a:fld>
             <a:endParaRPr lang="ru-RU"/>
           </a:p>
@@ -1730,7 +1739,7 @@
           <a:p>
             <a:fld id="{6FA4B11F-E379-45F6-A573-7F25F0B1338C}" type="datetimeFigureOut">
               <a:rPr lang="ru-RU" smtClean="0"/>
-              <a:t>24.02.2018</a:t>
+              <a:t>26.02.2018</a:t>
             </a:fld>
             <a:endParaRPr lang="ru-RU"/>
           </a:p>
@@ -1825,7 +1834,7 @@
           <a:p>
             <a:fld id="{6FA4B11F-E379-45F6-A573-7F25F0B1338C}" type="datetimeFigureOut">
               <a:rPr lang="ru-RU" smtClean="0"/>
-              <a:t>24.02.2018</a:t>
+              <a:t>26.02.2018</a:t>
             </a:fld>
             <a:endParaRPr lang="ru-RU"/>
           </a:p>
@@ -2102,7 +2111,7 @@
           <a:p>
             <a:fld id="{6FA4B11F-E379-45F6-A573-7F25F0B1338C}" type="datetimeFigureOut">
               <a:rPr lang="ru-RU" smtClean="0"/>
-              <a:t>24.02.2018</a:t>
+              <a:t>26.02.2018</a:t>
             </a:fld>
             <a:endParaRPr lang="ru-RU"/>
           </a:p>
@@ -2355,7 +2364,7 @@
           <a:p>
             <a:fld id="{6FA4B11F-E379-45F6-A573-7F25F0B1338C}" type="datetimeFigureOut">
               <a:rPr lang="ru-RU" smtClean="0"/>
-              <a:t>24.02.2018</a:t>
+              <a:t>26.02.2018</a:t>
             </a:fld>
             <a:endParaRPr lang="ru-RU"/>
           </a:p>
@@ -2568,7 +2577,7 @@
           <a:p>
             <a:fld id="{6FA4B11F-E379-45F6-A573-7F25F0B1338C}" type="datetimeFigureOut">
               <a:rPr lang="ru-RU" smtClean="0"/>
-              <a:t>24.02.2018</a:t>
+              <a:t>26.02.2018</a:t>
             </a:fld>
             <a:endParaRPr lang="ru-RU"/>
           </a:p>
@@ -3156,7 +3165,6 @@
               <a:rPr lang="ru-RU" dirty="0"/>
               <a:t> камеры</a:t>
             </a:r>
-            <a:endParaRPr lang="ru-RU" dirty="0"/>
           </a:p>
         </p:txBody>
       </p:sp>
@@ -3255,832 +3263,6 @@
 </file>
 
 <file path=ppt/slides/slide10.xml><?xml version="1.0" encoding="utf-8"?>
-<p:sld xmlns:a="http://schemas.openxmlformats.org/drawingml/2006/main" xmlns:r="http://schemas.openxmlformats.org/officeDocument/2006/relationships" xmlns:p="http://schemas.openxmlformats.org/presentationml/2006/main">
-  <p:cSld>
-    <p:spTree>
-      <p:nvGrpSpPr>
-        <p:cNvPr id="1" name=""/>
-        <p:cNvGrpSpPr/>
-        <p:nvPr/>
-      </p:nvGrpSpPr>
-      <p:grpSpPr>
-        <a:xfrm>
-          <a:off x="0" y="0"/>
-          <a:ext cx="0" cy="0"/>
-          <a:chOff x="0" y="0"/>
-          <a:chExt cx="0" cy="0"/>
-        </a:xfrm>
-      </p:grpSpPr>
-      <p:sp>
-        <p:nvSpPr>
-          <p:cNvPr id="2" name="Заголовок 1"/>
-          <p:cNvSpPr>
-            <a:spLocks noGrp="1"/>
-          </p:cNvSpPr>
-          <p:nvPr>
-            <p:ph type="title"/>
-          </p:nvPr>
-        </p:nvSpPr>
-        <p:spPr>
-          <a:xfrm>
-            <a:off x="944880" y="2666365"/>
-            <a:ext cx="10515600" cy="1325563"/>
-          </a:xfrm>
-        </p:spPr>
-        <p:txBody>
-          <a:bodyPr>
-            <a:normAutofit/>
-          </a:bodyPr>
-          <a:lstStyle/>
-          <a:p>
-            <a:pPr algn="ctr"/>
-            <a:r>
-              <a:rPr lang="ru-RU" sz="4800" dirty="0" smtClean="0">
-                <a:latin typeface="Times New Roman" panose="02020603050405020304" pitchFamily="18" charset="0"/>
-                <a:cs typeface="Times New Roman" panose="02020603050405020304" pitchFamily="18" charset="0"/>
-              </a:rPr>
-              <a:t>Спасибо за внимание!</a:t>
-            </a:r>
-            <a:endParaRPr lang="ru-RU" sz="4800" dirty="0">
-              <a:latin typeface="Times New Roman" panose="02020603050405020304" pitchFamily="18" charset="0"/>
-              <a:cs typeface="Times New Roman" panose="02020603050405020304" pitchFamily="18" charset="0"/>
-            </a:endParaRPr>
-          </a:p>
-        </p:txBody>
-      </p:sp>
-    </p:spTree>
-    <p:extLst>
-      <p:ext uri="{BB962C8B-B14F-4D97-AF65-F5344CB8AC3E}">
-        <p14:creationId xmlns:p14="http://schemas.microsoft.com/office/powerpoint/2010/main" val="3974170103"/>
-      </p:ext>
-    </p:extLst>
-  </p:cSld>
-  <p:clrMapOvr>
-    <a:masterClrMapping/>
-  </p:clrMapOvr>
-</p:sld>
-</file>
-
-<file path=ppt/slides/slide2.xml><?xml version="1.0" encoding="utf-8"?>
-<p:sld xmlns:a="http://schemas.openxmlformats.org/drawingml/2006/main" xmlns:r="http://schemas.openxmlformats.org/officeDocument/2006/relationships" xmlns:p="http://schemas.openxmlformats.org/presentationml/2006/main">
-  <p:cSld>
-    <p:spTree>
-      <p:nvGrpSpPr>
-        <p:cNvPr id="1" name=""/>
-        <p:cNvGrpSpPr/>
-        <p:nvPr/>
-      </p:nvGrpSpPr>
-      <p:grpSpPr>
-        <a:xfrm>
-          <a:off x="0" y="0"/>
-          <a:ext cx="0" cy="0"/>
-          <a:chOff x="0" y="0"/>
-          <a:chExt cx="0" cy="0"/>
-        </a:xfrm>
-      </p:grpSpPr>
-      <p:sp>
-        <p:nvSpPr>
-          <p:cNvPr id="2" name="Заголовок 1"/>
-          <p:cNvSpPr>
-            <a:spLocks noGrp="1"/>
-          </p:cNvSpPr>
-          <p:nvPr>
-            <p:ph type="title"/>
-          </p:nvPr>
-        </p:nvSpPr>
-        <p:spPr/>
-        <p:txBody>
-          <a:bodyPr/>
-          <a:lstStyle/>
-          <a:p>
-            <a:r>
-              <a:rPr lang="ru-RU" dirty="0" smtClean="0">
-                <a:latin typeface="Times New Roman" panose="02020603050405020304" pitchFamily="18" charset="0"/>
-                <a:cs typeface="Times New Roman" panose="02020603050405020304" pitchFamily="18" charset="0"/>
-              </a:rPr>
-              <a:t>Техническое задание</a:t>
-            </a:r>
-            <a:endParaRPr lang="ru-RU" dirty="0">
-              <a:latin typeface="Times New Roman" panose="02020603050405020304" pitchFamily="18" charset="0"/>
-              <a:cs typeface="Times New Roman" panose="02020603050405020304" pitchFamily="18" charset="0"/>
-            </a:endParaRPr>
-          </a:p>
-        </p:txBody>
-      </p:sp>
-      <p:sp>
-        <p:nvSpPr>
-          <p:cNvPr id="3" name="Объект 2"/>
-          <p:cNvSpPr>
-            <a:spLocks noGrp="1"/>
-          </p:cNvSpPr>
-          <p:nvPr>
-            <p:ph idx="1"/>
-          </p:nvPr>
-        </p:nvSpPr>
-        <p:spPr/>
-        <p:txBody>
-          <a:bodyPr>
-            <a:normAutofit/>
-          </a:bodyPr>
-          <a:lstStyle/>
-          <a:p>
-            <a:pPr marL="0" indent="0">
-              <a:buNone/>
-            </a:pPr>
-            <a:r>
-              <a:rPr lang="ru-RU" dirty="0" smtClean="0">
-                <a:latin typeface="Times New Roman" panose="02020603050405020304" pitchFamily="18" charset="0"/>
-                <a:cs typeface="Times New Roman" panose="02020603050405020304" pitchFamily="18" charset="0"/>
-              </a:rPr>
-              <a:t>Разработка </a:t>
-            </a:r>
-            <a:r>
-              <a:rPr lang="ru-RU" dirty="0" err="1">
-                <a:latin typeface="Times New Roman" panose="02020603050405020304" pitchFamily="18" charset="0"/>
-                <a:cs typeface="Times New Roman" panose="02020603050405020304" pitchFamily="18" charset="0"/>
-              </a:rPr>
-              <a:t>Apache</a:t>
-            </a:r>
-            <a:r>
-              <a:rPr lang="ru-RU" dirty="0">
-                <a:latin typeface="Times New Roman" panose="02020603050405020304" pitchFamily="18" charset="0"/>
-                <a:cs typeface="Times New Roman" panose="02020603050405020304" pitchFamily="18" charset="0"/>
-              </a:rPr>
-              <a:t> UIMA </a:t>
-            </a:r>
-            <a:r>
-              <a:rPr lang="ru-RU" dirty="0" err="1">
-                <a:latin typeface="Times New Roman" panose="02020603050405020304" pitchFamily="18" charset="0"/>
-                <a:cs typeface="Times New Roman" panose="02020603050405020304" pitchFamily="18" charset="0"/>
-              </a:rPr>
-              <a:t>OSGi</a:t>
-            </a:r>
-            <a:r>
-              <a:rPr lang="ru-RU" dirty="0">
-                <a:latin typeface="Times New Roman" panose="02020603050405020304" pitchFamily="18" charset="0"/>
-                <a:cs typeface="Times New Roman" panose="02020603050405020304" pitchFamily="18" charset="0"/>
-              </a:rPr>
-              <a:t> компонента, </a:t>
-            </a:r>
-            <a:r>
-              <a:rPr lang="ru-RU" dirty="0" smtClean="0">
-                <a:latin typeface="Times New Roman" panose="02020603050405020304" pitchFamily="18" charset="0"/>
-                <a:cs typeface="Times New Roman" panose="02020603050405020304" pitchFamily="18" charset="0"/>
-              </a:rPr>
-              <a:t>распознающего позы и аннотирующего данные 3D камеры:</a:t>
-            </a:r>
-            <a:endParaRPr lang="ru-RU" dirty="0">
-              <a:latin typeface="Times New Roman" panose="02020603050405020304" pitchFamily="18" charset="0"/>
-              <a:cs typeface="Times New Roman" panose="02020603050405020304" pitchFamily="18" charset="0"/>
-            </a:endParaRPr>
-          </a:p>
-          <a:p>
-            <a:r>
-              <a:rPr lang="ru-RU" dirty="0" smtClean="0">
-                <a:latin typeface="Times New Roman" panose="02020603050405020304" pitchFamily="18" charset="0"/>
-                <a:cs typeface="Times New Roman" panose="02020603050405020304" pitchFamily="18" charset="0"/>
-              </a:rPr>
-              <a:t>изучить </a:t>
-            </a:r>
-            <a:r>
-              <a:rPr lang="ru-RU" dirty="0">
-                <a:latin typeface="Times New Roman" panose="02020603050405020304" pitchFamily="18" charset="0"/>
-                <a:cs typeface="Times New Roman" panose="02020603050405020304" pitchFamily="18" charset="0"/>
-              </a:rPr>
-              <a:t>соответствующие системы;</a:t>
-            </a:r>
-          </a:p>
-          <a:p>
-            <a:r>
-              <a:rPr lang="ru-RU" dirty="0" smtClean="0">
-                <a:latin typeface="Times New Roman" panose="02020603050405020304" pitchFamily="18" charset="0"/>
-                <a:cs typeface="Times New Roman" panose="02020603050405020304" pitchFamily="18" charset="0"/>
-              </a:rPr>
-              <a:t>спроектировать </a:t>
-            </a:r>
-            <a:r>
-              <a:rPr lang="ru-RU" dirty="0">
-                <a:latin typeface="Times New Roman" panose="02020603050405020304" pitchFamily="18" charset="0"/>
-                <a:cs typeface="Times New Roman" panose="02020603050405020304" pitchFamily="18" charset="0"/>
-              </a:rPr>
-              <a:t>интерфейс компонента</a:t>
-            </a:r>
-            <a:r>
-              <a:rPr lang="ru-RU" dirty="0" smtClean="0">
-                <a:latin typeface="Times New Roman" panose="02020603050405020304" pitchFamily="18" charset="0"/>
-                <a:cs typeface="Times New Roman" panose="02020603050405020304" pitchFamily="18" charset="0"/>
-              </a:rPr>
-              <a:t>;</a:t>
-            </a:r>
-            <a:endParaRPr lang="ru-RU" dirty="0">
-              <a:latin typeface="Times New Roman" panose="02020603050405020304" pitchFamily="18" charset="0"/>
-              <a:cs typeface="Times New Roman" panose="02020603050405020304" pitchFamily="18" charset="0"/>
-            </a:endParaRPr>
-          </a:p>
-          <a:p>
-            <a:r>
-              <a:rPr lang="ru-RU" dirty="0" smtClean="0">
-                <a:latin typeface="Times New Roman" panose="02020603050405020304" pitchFamily="18" charset="0"/>
-                <a:cs typeface="Times New Roman" panose="02020603050405020304" pitchFamily="18" charset="0"/>
-              </a:rPr>
-              <a:t>реализовать </a:t>
-            </a:r>
-            <a:r>
-              <a:rPr lang="ru-RU" dirty="0">
-                <a:latin typeface="Times New Roman" panose="02020603050405020304" pitchFamily="18" charset="0"/>
-                <a:cs typeface="Times New Roman" panose="02020603050405020304" pitchFamily="18" charset="0"/>
-              </a:rPr>
-              <a:t>компонент;</a:t>
-            </a:r>
-          </a:p>
-          <a:p>
-            <a:r>
-              <a:rPr lang="ru-RU" dirty="0" smtClean="0">
-                <a:latin typeface="Times New Roman" panose="02020603050405020304" pitchFamily="18" charset="0"/>
-                <a:cs typeface="Times New Roman" panose="02020603050405020304" pitchFamily="18" charset="0"/>
-              </a:rPr>
-              <a:t>спроектировать </a:t>
-            </a:r>
-            <a:r>
-              <a:rPr lang="ru-RU" dirty="0" err="1">
-                <a:latin typeface="Times New Roman" panose="02020603050405020304" pitchFamily="18" charset="0"/>
-                <a:cs typeface="Times New Roman" panose="02020603050405020304" pitchFamily="18" charset="0"/>
-              </a:rPr>
-              <a:t>JUnit</a:t>
-            </a:r>
-            <a:r>
-              <a:rPr lang="ru-RU" dirty="0">
-                <a:latin typeface="Times New Roman" panose="02020603050405020304" pitchFamily="18" charset="0"/>
-                <a:cs typeface="Times New Roman" panose="02020603050405020304" pitchFamily="18" charset="0"/>
-              </a:rPr>
-              <a:t> тесты, провести тестирование;</a:t>
-            </a:r>
-          </a:p>
-          <a:p>
-            <a:r>
-              <a:rPr lang="ru-RU" dirty="0" smtClean="0">
-                <a:latin typeface="Times New Roman" panose="02020603050405020304" pitchFamily="18" charset="0"/>
-                <a:cs typeface="Times New Roman" panose="02020603050405020304" pitchFamily="18" charset="0"/>
-              </a:rPr>
-              <a:t>описать </a:t>
-            </a:r>
-            <a:r>
-              <a:rPr lang="ru-RU" dirty="0">
-                <a:latin typeface="Times New Roman" panose="02020603050405020304" pitchFamily="18" charset="0"/>
-                <a:cs typeface="Times New Roman" panose="02020603050405020304" pitchFamily="18" charset="0"/>
-              </a:rPr>
-              <a:t>требования, конструкцию, особенности сборки и запуска </a:t>
-            </a:r>
-            <a:r>
-              <a:rPr lang="ru-RU" dirty="0" smtClean="0">
-                <a:latin typeface="Times New Roman" panose="02020603050405020304" pitchFamily="18" charset="0"/>
-                <a:cs typeface="Times New Roman" panose="02020603050405020304" pitchFamily="18" charset="0"/>
-              </a:rPr>
-              <a:t>в документации</a:t>
-            </a:r>
-            <a:r>
-              <a:rPr lang="ru-RU" dirty="0">
-                <a:latin typeface="Times New Roman" panose="02020603050405020304" pitchFamily="18" charset="0"/>
-                <a:cs typeface="Times New Roman" panose="02020603050405020304" pitchFamily="18" charset="0"/>
-              </a:rPr>
-              <a:t>.</a:t>
-            </a:r>
-          </a:p>
-        </p:txBody>
-      </p:sp>
-    </p:spTree>
-    <p:extLst>
-      <p:ext uri="{BB962C8B-B14F-4D97-AF65-F5344CB8AC3E}">
-        <p14:creationId xmlns:p14="http://schemas.microsoft.com/office/powerpoint/2010/main" val="4176856837"/>
-      </p:ext>
-    </p:extLst>
-  </p:cSld>
-  <p:clrMapOvr>
-    <a:masterClrMapping/>
-  </p:clrMapOvr>
-</p:sld>
-</file>
-
-<file path=ppt/slides/slide3.xml><?xml version="1.0" encoding="utf-8"?>
-<p:sld xmlns:a="http://schemas.openxmlformats.org/drawingml/2006/main" xmlns:r="http://schemas.openxmlformats.org/officeDocument/2006/relationships" xmlns:p="http://schemas.openxmlformats.org/presentationml/2006/main">
-  <p:cSld>
-    <p:spTree>
-      <p:nvGrpSpPr>
-        <p:cNvPr id="1" name=""/>
-        <p:cNvGrpSpPr/>
-        <p:nvPr/>
-      </p:nvGrpSpPr>
-      <p:grpSpPr>
-        <a:xfrm>
-          <a:off x="0" y="0"/>
-          <a:ext cx="0" cy="0"/>
-          <a:chOff x="0" y="0"/>
-          <a:chExt cx="0" cy="0"/>
-        </a:xfrm>
-      </p:grpSpPr>
-      <p:sp>
-        <p:nvSpPr>
-          <p:cNvPr id="2" name="Заголовок 1"/>
-          <p:cNvSpPr>
-            <a:spLocks noGrp="1"/>
-          </p:cNvSpPr>
-          <p:nvPr>
-            <p:ph type="title"/>
-          </p:nvPr>
-        </p:nvSpPr>
-        <p:spPr>
-          <a:xfrm>
-            <a:off x="381000" y="288925"/>
-            <a:ext cx="10515600" cy="1325563"/>
-          </a:xfrm>
-        </p:spPr>
-        <p:txBody>
-          <a:bodyPr/>
-          <a:lstStyle/>
-          <a:p>
-            <a:r>
-              <a:rPr lang="en-US" dirty="0">
-                <a:latin typeface="Times New Roman" panose="02020603050405020304" pitchFamily="18" charset="0"/>
-                <a:cs typeface="Times New Roman" panose="02020603050405020304" pitchFamily="18" charset="0"/>
-              </a:rPr>
-              <a:t>What is UIMA</a:t>
-            </a:r>
-            <a:r>
-              <a:rPr lang="en-US" dirty="0" smtClean="0">
-                <a:latin typeface="Times New Roman" panose="02020603050405020304" pitchFamily="18" charset="0"/>
-                <a:cs typeface="Times New Roman" panose="02020603050405020304" pitchFamily="18" charset="0"/>
-              </a:rPr>
-              <a:t>?</a:t>
-            </a:r>
-            <a:endParaRPr lang="ru-RU" dirty="0">
-              <a:latin typeface="Times New Roman" panose="02020603050405020304" pitchFamily="18" charset="0"/>
-              <a:cs typeface="Times New Roman" panose="02020603050405020304" pitchFamily="18" charset="0"/>
-            </a:endParaRPr>
-          </a:p>
-        </p:txBody>
-      </p:sp>
-      <p:sp>
-        <p:nvSpPr>
-          <p:cNvPr id="3" name="Объект 2"/>
-          <p:cNvSpPr>
-            <a:spLocks noGrp="1"/>
-          </p:cNvSpPr>
-          <p:nvPr>
-            <p:ph idx="1"/>
-          </p:nvPr>
-        </p:nvSpPr>
-        <p:spPr>
-          <a:xfrm>
-            <a:off x="4160520" y="1614488"/>
-            <a:ext cx="8031480" cy="4351338"/>
-          </a:xfrm>
-        </p:spPr>
-        <p:txBody>
-          <a:bodyPr>
-            <a:normAutofit lnSpcReduction="10000"/>
-          </a:bodyPr>
-          <a:lstStyle/>
-          <a:p>
-            <a:pPr marL="0" indent="0">
-              <a:lnSpc>
-                <a:spcPct val="150000"/>
-              </a:lnSpc>
-              <a:buNone/>
-            </a:pPr>
-            <a:r>
-              <a:rPr lang="ru-RU" dirty="0" smtClean="0">
-                <a:latin typeface="Times New Roman" panose="02020603050405020304" pitchFamily="18" charset="0"/>
-                <a:cs typeface="Times New Roman" panose="02020603050405020304" pitchFamily="18" charset="0"/>
-              </a:rPr>
-              <a:t>	</a:t>
-            </a:r>
-            <a:r>
-              <a:rPr lang="en-US" sz="2400" dirty="0" smtClean="0">
-                <a:latin typeface="Times New Roman" panose="02020603050405020304" pitchFamily="18" charset="0"/>
-                <a:cs typeface="Times New Roman" panose="02020603050405020304" pitchFamily="18" charset="0"/>
-              </a:rPr>
-              <a:t>Unstructured Information Management applications</a:t>
-            </a:r>
-            <a:r>
-              <a:rPr lang="ru-RU" sz="2400" dirty="0" smtClean="0">
-                <a:latin typeface="Times New Roman" panose="02020603050405020304" pitchFamily="18" charset="0"/>
-                <a:cs typeface="Times New Roman" panose="02020603050405020304" pitchFamily="18" charset="0"/>
-              </a:rPr>
-              <a:t> - это программные системы, которые анализируют большие объемы неструктурированной информации, чтобы обнаружить знания, которые имеют отношение к конечному пользователю. Пример приложения UIM может использовать простой текст и идентифицировать объекты, такие как лица, места, организации; или отношения, например, работы или для нахождения.</a:t>
-            </a:r>
-            <a:endParaRPr lang="ru-RU" sz="2400" dirty="0">
-              <a:latin typeface="Times New Roman" panose="02020603050405020304" pitchFamily="18" charset="0"/>
-              <a:cs typeface="Times New Roman" panose="02020603050405020304" pitchFamily="18" charset="0"/>
-            </a:endParaRPr>
-          </a:p>
-        </p:txBody>
-      </p:sp>
-      <p:pic>
-        <p:nvPicPr>
-          <p:cNvPr id="4" name="Рисунок 3"/>
-          <p:cNvPicPr>
-            <a:picLocks noChangeAspect="1"/>
-          </p:cNvPicPr>
-          <p:nvPr/>
-        </p:nvPicPr>
-        <p:blipFill>
-          <a:blip r:embed="rId2"/>
-          <a:stretch>
-            <a:fillRect/>
-          </a:stretch>
-        </p:blipFill>
-        <p:spPr>
-          <a:xfrm>
-            <a:off x="274320" y="2813916"/>
-            <a:ext cx="3307080" cy="2210522"/>
-          </a:xfrm>
-          <a:prstGeom prst="rect">
-            <a:avLst/>
-          </a:prstGeom>
-        </p:spPr>
-      </p:pic>
-    </p:spTree>
-    <p:extLst>
-      <p:ext uri="{BB962C8B-B14F-4D97-AF65-F5344CB8AC3E}">
-        <p14:creationId xmlns:p14="http://schemas.microsoft.com/office/powerpoint/2010/main" val="2888818955"/>
-      </p:ext>
-    </p:extLst>
-  </p:cSld>
-  <p:clrMapOvr>
-    <a:masterClrMapping/>
-  </p:clrMapOvr>
-</p:sld>
-</file>
-
-<file path=ppt/slides/slide4.xml><?xml version="1.0" encoding="utf-8"?>
-<p:sld xmlns:a="http://schemas.openxmlformats.org/drawingml/2006/main" xmlns:r="http://schemas.openxmlformats.org/officeDocument/2006/relationships" xmlns:p="http://schemas.openxmlformats.org/presentationml/2006/main">
-  <p:cSld>
-    <p:spTree>
-      <p:nvGrpSpPr>
-        <p:cNvPr id="1" name=""/>
-        <p:cNvGrpSpPr/>
-        <p:nvPr/>
-      </p:nvGrpSpPr>
-      <p:grpSpPr>
-        <a:xfrm>
-          <a:off x="0" y="0"/>
-          <a:ext cx="0" cy="0"/>
-          <a:chOff x="0" y="0"/>
-          <a:chExt cx="0" cy="0"/>
-        </a:xfrm>
-      </p:grpSpPr>
-      <p:sp>
-        <p:nvSpPr>
-          <p:cNvPr id="2" name="Заголовок 1"/>
-          <p:cNvSpPr>
-            <a:spLocks noGrp="1"/>
-          </p:cNvSpPr>
-          <p:nvPr>
-            <p:ph type="title"/>
-          </p:nvPr>
-        </p:nvSpPr>
-        <p:spPr/>
-        <p:txBody>
-          <a:bodyPr/>
-          <a:lstStyle/>
-          <a:p>
-            <a:r>
-              <a:rPr lang="ru-RU" dirty="0" smtClean="0">
-                <a:latin typeface="Times New Roman" panose="02020603050405020304" pitchFamily="18" charset="0"/>
-                <a:cs typeface="Times New Roman" panose="02020603050405020304" pitchFamily="18" charset="0"/>
-              </a:rPr>
-              <a:t>Как работает </a:t>
-            </a:r>
-            <a:r>
-              <a:rPr lang="ru-RU" dirty="0" err="1" smtClean="0">
-                <a:latin typeface="Times New Roman" panose="02020603050405020304" pitchFamily="18" charset="0"/>
-                <a:cs typeface="Times New Roman" panose="02020603050405020304" pitchFamily="18" charset="0"/>
-              </a:rPr>
-              <a:t>аннотатор</a:t>
-            </a:r>
-            <a:r>
-              <a:rPr lang="ru-RU" dirty="0" smtClean="0">
-                <a:latin typeface="Times New Roman" panose="02020603050405020304" pitchFamily="18" charset="0"/>
-                <a:cs typeface="Times New Roman" panose="02020603050405020304" pitchFamily="18" charset="0"/>
-              </a:rPr>
-              <a:t>?</a:t>
-            </a:r>
-            <a:endParaRPr lang="ru-RU" dirty="0">
-              <a:latin typeface="Times New Roman" panose="02020603050405020304" pitchFamily="18" charset="0"/>
-              <a:cs typeface="Times New Roman" panose="02020603050405020304" pitchFamily="18" charset="0"/>
-            </a:endParaRPr>
-          </a:p>
-        </p:txBody>
-      </p:sp>
-      <p:sp>
-        <p:nvSpPr>
-          <p:cNvPr id="3" name="Объект 2"/>
-          <p:cNvSpPr>
-            <a:spLocks noGrp="1"/>
-          </p:cNvSpPr>
-          <p:nvPr>
-            <p:ph idx="1"/>
-          </p:nvPr>
-        </p:nvSpPr>
-        <p:spPr>
-          <a:xfrm>
-            <a:off x="6324600" y="1825625"/>
-            <a:ext cx="5029200" cy="4351338"/>
-          </a:xfrm>
-        </p:spPr>
-        <p:txBody>
-          <a:bodyPr>
-            <a:normAutofit/>
-          </a:bodyPr>
-          <a:lstStyle/>
-          <a:p>
-            <a:pPr marL="0" indent="0">
-              <a:buNone/>
-            </a:pPr>
-            <a:r>
-              <a:rPr lang="ru-RU" sz="3200" dirty="0" smtClean="0">
-                <a:latin typeface="Times New Roman" panose="02020603050405020304" pitchFamily="18" charset="0"/>
-                <a:cs typeface="Times New Roman" panose="02020603050405020304" pitchFamily="18" charset="0"/>
-              </a:rPr>
-              <a:t>На примере </a:t>
-            </a:r>
-            <a:r>
-              <a:rPr lang="ru-RU" sz="3200" dirty="0" err="1" smtClean="0">
-                <a:latin typeface="Times New Roman" panose="02020603050405020304" pitchFamily="18" charset="0"/>
-                <a:cs typeface="Times New Roman" panose="02020603050405020304" pitchFamily="18" charset="0"/>
-              </a:rPr>
-              <a:t>аннотатора</a:t>
-            </a:r>
-            <a:r>
-              <a:rPr lang="ru-RU" sz="3200" dirty="0" smtClean="0">
-                <a:latin typeface="Times New Roman" panose="02020603050405020304" pitchFamily="18" charset="0"/>
-                <a:cs typeface="Times New Roman" panose="02020603050405020304" pitchFamily="18" charset="0"/>
-              </a:rPr>
-              <a:t> текста можно объяснить общий смысл этой технологии: из всего потока данных </a:t>
-            </a:r>
-            <a:r>
-              <a:rPr lang="ru-RU" sz="3200" dirty="0" err="1" smtClean="0">
-                <a:latin typeface="Times New Roman" panose="02020603050405020304" pitchFamily="18" charset="0"/>
-                <a:cs typeface="Times New Roman" panose="02020603050405020304" pitchFamily="18" charset="0"/>
-              </a:rPr>
-              <a:t>аннотатор</a:t>
-            </a:r>
-            <a:r>
-              <a:rPr lang="ru-RU" sz="3200" dirty="0" smtClean="0">
-                <a:latin typeface="Times New Roman" panose="02020603050405020304" pitchFamily="18" charset="0"/>
-                <a:cs typeface="Times New Roman" panose="02020603050405020304" pitchFamily="18" charset="0"/>
-              </a:rPr>
-              <a:t> выделяет (аннотирует) нужные данные</a:t>
-            </a:r>
-            <a:r>
-              <a:rPr lang="ru-RU" sz="3200" dirty="0" smtClean="0"/>
-              <a:t>.</a:t>
-            </a:r>
-            <a:endParaRPr lang="ru-RU" sz="3200" dirty="0"/>
-          </a:p>
-        </p:txBody>
-      </p:sp>
-      <p:pic>
-        <p:nvPicPr>
-          <p:cNvPr id="5" name="Рисунок 4"/>
-          <p:cNvPicPr>
-            <a:picLocks noChangeAspect="1"/>
-          </p:cNvPicPr>
-          <p:nvPr/>
-        </p:nvPicPr>
-        <p:blipFill>
-          <a:blip r:embed="rId2"/>
-          <a:stretch>
-            <a:fillRect/>
-          </a:stretch>
-        </p:blipFill>
-        <p:spPr>
-          <a:xfrm>
-            <a:off x="838199" y="1825624"/>
-            <a:ext cx="4593273" cy="3782695"/>
-          </a:xfrm>
-          <a:prstGeom prst="rect">
-            <a:avLst/>
-          </a:prstGeom>
-        </p:spPr>
-      </p:pic>
-    </p:spTree>
-    <p:extLst>
-      <p:ext uri="{BB962C8B-B14F-4D97-AF65-F5344CB8AC3E}">
-        <p14:creationId xmlns:p14="http://schemas.microsoft.com/office/powerpoint/2010/main" val="734770506"/>
-      </p:ext>
-    </p:extLst>
-  </p:cSld>
-  <p:clrMapOvr>
-    <a:masterClrMapping/>
-  </p:clrMapOvr>
-</p:sld>
-</file>
-
-<file path=ppt/slides/slide5.xml><?xml version="1.0" encoding="utf-8"?>
-<p:sld xmlns:a="http://schemas.openxmlformats.org/drawingml/2006/main" xmlns:r="http://schemas.openxmlformats.org/officeDocument/2006/relationships" xmlns:p="http://schemas.openxmlformats.org/presentationml/2006/main">
-  <p:cSld>
-    <p:spTree>
-      <p:nvGrpSpPr>
-        <p:cNvPr id="1" name=""/>
-        <p:cNvGrpSpPr/>
-        <p:nvPr/>
-      </p:nvGrpSpPr>
-      <p:grpSpPr>
-        <a:xfrm>
-          <a:off x="0" y="0"/>
-          <a:ext cx="0" cy="0"/>
-          <a:chOff x="0" y="0"/>
-          <a:chExt cx="0" cy="0"/>
-        </a:xfrm>
-      </p:grpSpPr>
-      <p:sp>
-        <p:nvSpPr>
-          <p:cNvPr id="2" name="Заголовок 1"/>
-          <p:cNvSpPr>
-            <a:spLocks noGrp="1"/>
-          </p:cNvSpPr>
-          <p:nvPr>
-            <p:ph type="title"/>
-          </p:nvPr>
-        </p:nvSpPr>
-        <p:spPr/>
-        <p:txBody>
-          <a:bodyPr/>
-          <a:lstStyle/>
-          <a:p>
-            <a:r>
-              <a:rPr lang="ru-RU" dirty="0" smtClean="0">
-                <a:latin typeface="Times New Roman" panose="02020603050405020304" pitchFamily="18" charset="0"/>
-                <a:cs typeface="Times New Roman" panose="02020603050405020304" pitchFamily="18" charset="0"/>
-              </a:rPr>
-              <a:t>Как работает </a:t>
-            </a:r>
-            <a:r>
-              <a:rPr lang="en-US" dirty="0" smtClean="0">
-                <a:latin typeface="Times New Roman" panose="02020603050405020304" pitchFamily="18" charset="0"/>
-                <a:cs typeface="Times New Roman" panose="02020603050405020304" pitchFamily="18" charset="0"/>
-              </a:rPr>
-              <a:t>UIMA</a:t>
-            </a:r>
-            <a:endParaRPr lang="ru-RU" dirty="0">
-              <a:latin typeface="Times New Roman" panose="02020603050405020304" pitchFamily="18" charset="0"/>
-              <a:cs typeface="Times New Roman" panose="02020603050405020304" pitchFamily="18" charset="0"/>
-            </a:endParaRPr>
-          </a:p>
-        </p:txBody>
-      </p:sp>
-      <p:pic>
-        <p:nvPicPr>
-          <p:cNvPr id="5" name="image24.png"/>
-          <p:cNvPicPr/>
-          <p:nvPr/>
-        </p:nvPicPr>
-        <p:blipFill>
-          <a:blip r:embed="rId2"/>
-          <a:srcRect/>
-          <a:stretch>
-            <a:fillRect/>
-          </a:stretch>
-        </p:blipFill>
-        <p:spPr>
-          <a:xfrm>
-            <a:off x="838200" y="1690688"/>
-            <a:ext cx="10027920" cy="4542472"/>
-          </a:xfrm>
-          <a:prstGeom prst="rect">
-            <a:avLst/>
-          </a:prstGeom>
-          <a:ln/>
-        </p:spPr>
-      </p:pic>
-    </p:spTree>
-    <p:extLst>
-      <p:ext uri="{BB962C8B-B14F-4D97-AF65-F5344CB8AC3E}">
-        <p14:creationId xmlns:p14="http://schemas.microsoft.com/office/powerpoint/2010/main" val="3079703987"/>
-      </p:ext>
-    </p:extLst>
-  </p:cSld>
-  <p:clrMapOvr>
-    <a:masterClrMapping/>
-  </p:clrMapOvr>
-</p:sld>
-</file>
-
-<file path=ppt/slides/slide6.xml><?xml version="1.0" encoding="utf-8"?>
-<p:sld xmlns:a="http://schemas.openxmlformats.org/drawingml/2006/main" xmlns:r="http://schemas.openxmlformats.org/officeDocument/2006/relationships" xmlns:p="http://schemas.openxmlformats.org/presentationml/2006/main">
-  <p:cSld>
-    <p:spTree>
-      <p:nvGrpSpPr>
-        <p:cNvPr id="1" name=""/>
-        <p:cNvGrpSpPr/>
-        <p:nvPr/>
-      </p:nvGrpSpPr>
-      <p:grpSpPr>
-        <a:xfrm>
-          <a:off x="0" y="0"/>
-          <a:ext cx="0" cy="0"/>
-          <a:chOff x="0" y="0"/>
-          <a:chExt cx="0" cy="0"/>
-        </a:xfrm>
-      </p:grpSpPr>
-      <p:sp>
-        <p:nvSpPr>
-          <p:cNvPr id="2" name="Заголовок 1"/>
-          <p:cNvSpPr>
-            <a:spLocks noGrp="1"/>
-          </p:cNvSpPr>
-          <p:nvPr>
-            <p:ph type="title"/>
-          </p:nvPr>
-        </p:nvSpPr>
-        <p:spPr/>
-        <p:txBody>
-          <a:bodyPr/>
-          <a:lstStyle/>
-          <a:p>
-            <a:r>
-              <a:rPr lang="ru-RU" dirty="0" smtClean="0">
-                <a:latin typeface="Times New Roman" panose="02020603050405020304" pitchFamily="18" charset="0"/>
-                <a:cs typeface="Times New Roman" panose="02020603050405020304" pitchFamily="18" charset="0"/>
-              </a:rPr>
-              <a:t>Диаграмма компонентов программы</a:t>
-            </a:r>
-            <a:endParaRPr lang="ru-RU" dirty="0">
-              <a:latin typeface="Times New Roman" panose="02020603050405020304" pitchFamily="18" charset="0"/>
-              <a:cs typeface="Times New Roman" panose="02020603050405020304" pitchFamily="18" charset="0"/>
-            </a:endParaRPr>
-          </a:p>
-        </p:txBody>
-      </p:sp>
-      <p:pic>
-        <p:nvPicPr>
-          <p:cNvPr id="2050" name="Picture 2" descr="Снимок"/>
-          <p:cNvPicPr>
-            <a:picLocks noChangeAspect="1" noChangeArrowheads="1"/>
-          </p:cNvPicPr>
-          <p:nvPr/>
-        </p:nvPicPr>
-        <p:blipFill>
-          <a:blip r:embed="rId2">
-            <a:extLst>
-              <a:ext uri="{28A0092B-C50C-407E-A947-70E740481C1C}">
-                <a14:useLocalDpi xmlns:a14="http://schemas.microsoft.com/office/drawing/2010/main" val="0"/>
-              </a:ext>
-            </a:extLst>
-          </a:blip>
-          <a:srcRect/>
-          <a:stretch>
-            <a:fillRect/>
-          </a:stretch>
-        </p:blipFill>
-        <p:spPr bwMode="auto">
-          <a:xfrm>
-            <a:off x="2392680" y="1462088"/>
-            <a:ext cx="6659880" cy="5119043"/>
-          </a:xfrm>
-          <a:prstGeom prst="rect">
-            <a:avLst/>
-          </a:prstGeom>
-          <a:noFill/>
-          <a:ln>
-            <a:noFill/>
-          </a:ln>
-          <a:extLst>
-            <a:ext uri="{909E8E84-426E-40DD-AFC4-6F175D3DCCD1}">
-              <a14:hiddenFill xmlns:a14="http://schemas.microsoft.com/office/drawing/2010/main">
-                <a:solidFill>
-                  <a:srgbClr val="FFFFFF"/>
-                </a:solidFill>
-              </a14:hiddenFill>
-            </a:ext>
-            <a:ext uri="{91240B29-F687-4F45-9708-019B960494DF}">
-              <a14:hiddenLine xmlns:a14="http://schemas.microsoft.com/office/drawing/2010/main" w="9525">
-                <a:solidFill>
-                  <a:srgbClr val="000000"/>
-                </a:solidFill>
-                <a:miter lim="800000"/>
-                <a:headEnd/>
-                <a:tailEnd/>
-              </a14:hiddenLine>
-            </a:ext>
-          </a:extLst>
-        </p:spPr>
-      </p:pic>
-    </p:spTree>
-    <p:extLst>
-      <p:ext uri="{BB962C8B-B14F-4D97-AF65-F5344CB8AC3E}">
-        <p14:creationId xmlns:p14="http://schemas.microsoft.com/office/powerpoint/2010/main" val="1817818739"/>
-      </p:ext>
-    </p:extLst>
-  </p:cSld>
-  <p:clrMapOvr>
-    <a:masterClrMapping/>
-  </p:clrMapOvr>
-</p:sld>
-</file>
-
-<file path=ppt/slides/slide7.xml><?xml version="1.0" encoding="utf-8"?>
 <p:sld xmlns:a="http://schemas.openxmlformats.org/drawingml/2006/main" xmlns:r="http://schemas.openxmlformats.org/officeDocument/2006/relationships" xmlns:p="http://schemas.openxmlformats.org/presentationml/2006/main">
   <p:cSld>
     <p:spTree>
@@ -4169,7 +3351,7 @@
 </p:sld>
 </file>
 
-<file path=ppt/slides/slide8.xml><?xml version="1.0" encoding="utf-8"?>
+<file path=ppt/slides/slide11.xml><?xml version="1.0" encoding="utf-8"?>
 <p:sld xmlns:a="http://schemas.openxmlformats.org/drawingml/2006/main" xmlns:r="http://schemas.openxmlformats.org/officeDocument/2006/relationships" xmlns:p="http://schemas.openxmlformats.org/presentationml/2006/main">
   <p:cSld>
     <p:spTree>
@@ -4258,7 +3440,7 @@
 </p:sld>
 </file>
 
-<file path=ppt/slides/slide9.xml><?xml version="1.0" encoding="utf-8"?>
+<file path=ppt/slides/slide12.xml><?xml version="1.0" encoding="utf-8"?>
 <p:sld xmlns:a="http://schemas.openxmlformats.org/drawingml/2006/main" xmlns:r="http://schemas.openxmlformats.org/officeDocument/2006/relationships" xmlns:p="http://schemas.openxmlformats.org/presentationml/2006/main">
   <p:cSld>
     <p:spTree>
@@ -4368,6 +3550,2262 @@
     <p:extLst>
       <p:ext uri="{BB962C8B-B14F-4D97-AF65-F5344CB8AC3E}">
         <p14:creationId xmlns:p14="http://schemas.microsoft.com/office/powerpoint/2010/main" val="1698160886"/>
+      </p:ext>
+    </p:extLst>
+  </p:cSld>
+  <p:clrMapOvr>
+    <a:masterClrMapping/>
+  </p:clrMapOvr>
+</p:sld>
+</file>
+
+<file path=ppt/slides/slide13.xml><?xml version="1.0" encoding="utf-8"?>
+<p:sld xmlns:a="http://schemas.openxmlformats.org/drawingml/2006/main" xmlns:r="http://schemas.openxmlformats.org/officeDocument/2006/relationships" xmlns:p="http://schemas.openxmlformats.org/presentationml/2006/main">
+  <p:cSld>
+    <p:spTree>
+      <p:nvGrpSpPr>
+        <p:cNvPr id="1" name=""/>
+        <p:cNvGrpSpPr/>
+        <p:nvPr/>
+      </p:nvGrpSpPr>
+      <p:grpSpPr>
+        <a:xfrm>
+          <a:off x="0" y="0"/>
+          <a:ext cx="0" cy="0"/>
+          <a:chOff x="0" y="0"/>
+          <a:chExt cx="0" cy="0"/>
+        </a:xfrm>
+      </p:grpSpPr>
+      <p:sp>
+        <p:nvSpPr>
+          <p:cNvPr id="2" name="Заголовок 1"/>
+          <p:cNvSpPr>
+            <a:spLocks noGrp="1"/>
+          </p:cNvSpPr>
+          <p:nvPr>
+            <p:ph type="title"/>
+          </p:nvPr>
+        </p:nvSpPr>
+        <p:spPr/>
+        <p:txBody>
+          <a:bodyPr/>
+          <a:lstStyle/>
+          <a:p>
+            <a:r>
+              <a:rPr lang="ru-RU" dirty="0" smtClean="0">
+                <a:latin typeface="Times New Roman" panose="02020603050405020304" pitchFamily="18" charset="0"/>
+                <a:cs typeface="Times New Roman" panose="02020603050405020304" pitchFamily="18" charset="0"/>
+              </a:rPr>
+              <a:t>Выводы</a:t>
+            </a:r>
+            <a:endParaRPr lang="ru-RU" dirty="0">
+              <a:latin typeface="Times New Roman" panose="02020603050405020304" pitchFamily="18" charset="0"/>
+              <a:cs typeface="Times New Roman" panose="02020603050405020304" pitchFamily="18" charset="0"/>
+            </a:endParaRPr>
+          </a:p>
+        </p:txBody>
+      </p:sp>
+      <p:sp>
+        <p:nvSpPr>
+          <p:cNvPr id="3" name="Объект 2"/>
+          <p:cNvSpPr>
+            <a:spLocks noGrp="1"/>
+          </p:cNvSpPr>
+          <p:nvPr>
+            <p:ph idx="1"/>
+          </p:nvPr>
+        </p:nvSpPr>
+        <p:spPr>
+          <a:xfrm>
+            <a:off x="4695986" y="1825624"/>
+            <a:ext cx="6657814" cy="4559677"/>
+          </a:xfrm>
+        </p:spPr>
+        <p:txBody>
+          <a:bodyPr/>
+          <a:lstStyle/>
+          <a:p>
+            <a:pPr marL="0" indent="0">
+              <a:buNone/>
+            </a:pPr>
+            <a:r>
+              <a:rPr lang="ru-RU" dirty="0" smtClean="0"/>
+              <a:t>	</a:t>
+            </a:r>
+            <a:r>
+              <a:rPr lang="ru-RU" sz="3200" dirty="0" smtClean="0">
+                <a:latin typeface="Times New Roman" panose="02020603050405020304" pitchFamily="18" charset="0"/>
+                <a:cs typeface="Times New Roman" panose="02020603050405020304" pitchFamily="18" charset="0"/>
+              </a:rPr>
+              <a:t>В </a:t>
+            </a:r>
+            <a:r>
+              <a:rPr lang="ru-RU" sz="3200" dirty="0">
+                <a:latin typeface="Times New Roman" panose="02020603050405020304" pitchFamily="18" charset="0"/>
+                <a:cs typeface="Times New Roman" panose="02020603050405020304" pitchFamily="18" charset="0"/>
+              </a:rPr>
+              <a:t>ходе курсовой работы была изучена технология </a:t>
+            </a:r>
+            <a:r>
+              <a:rPr lang="ru-RU" sz="3200" dirty="0" err="1">
+                <a:latin typeface="Times New Roman" panose="02020603050405020304" pitchFamily="18" charset="0"/>
+                <a:cs typeface="Times New Roman" panose="02020603050405020304" pitchFamily="18" charset="0"/>
+              </a:rPr>
+              <a:t>Apache</a:t>
+            </a:r>
+            <a:r>
+              <a:rPr lang="ru-RU" sz="3200" dirty="0">
+                <a:latin typeface="Times New Roman" panose="02020603050405020304" pitchFamily="18" charset="0"/>
+                <a:cs typeface="Times New Roman" panose="02020603050405020304" pitchFamily="18" charset="0"/>
+              </a:rPr>
+              <a:t> UIMA. Были выявлены преимущества и недостатки</a:t>
+            </a:r>
+            <a:r>
+              <a:rPr lang="ru-RU" sz="3200" dirty="0" smtClean="0">
+                <a:latin typeface="Times New Roman" panose="02020603050405020304" pitchFamily="18" charset="0"/>
+                <a:cs typeface="Times New Roman" panose="02020603050405020304" pitchFamily="18" charset="0"/>
+              </a:rPr>
+              <a:t>.</a:t>
+            </a:r>
+          </a:p>
+          <a:p>
+            <a:pPr marL="0" indent="0">
+              <a:buNone/>
+            </a:pPr>
+            <a:r>
+              <a:rPr lang="ru-RU" sz="3200" dirty="0">
+                <a:latin typeface="Times New Roman" panose="02020603050405020304" pitchFamily="18" charset="0"/>
+                <a:cs typeface="Times New Roman" panose="02020603050405020304" pitchFamily="18" charset="0"/>
+              </a:rPr>
+              <a:t>	</a:t>
+            </a:r>
+            <a:r>
+              <a:rPr lang="ru-RU" sz="3200" dirty="0" smtClean="0">
+                <a:latin typeface="Times New Roman" panose="02020603050405020304" pitchFamily="18" charset="0"/>
+                <a:cs typeface="Times New Roman" panose="02020603050405020304" pitchFamily="18" charset="0"/>
+              </a:rPr>
+              <a:t>Оказалось, что это весьма удобный инструмент для создания </a:t>
+            </a:r>
+            <a:r>
+              <a:rPr lang="ru-RU" sz="3200" dirty="0" err="1" smtClean="0">
+                <a:latin typeface="Times New Roman" panose="02020603050405020304" pitchFamily="18" charset="0"/>
+                <a:cs typeface="Times New Roman" panose="02020603050405020304" pitchFamily="18" charset="0"/>
+              </a:rPr>
+              <a:t>аннотаторов</a:t>
+            </a:r>
+            <a:r>
+              <a:rPr lang="ru-RU" sz="3200" dirty="0" smtClean="0">
+                <a:latin typeface="Times New Roman" panose="02020603050405020304" pitchFamily="18" charset="0"/>
+                <a:cs typeface="Times New Roman" panose="02020603050405020304" pitchFamily="18" charset="0"/>
+              </a:rPr>
+              <a:t>. </a:t>
+            </a:r>
+          </a:p>
+          <a:p>
+            <a:pPr marL="0" indent="0">
+              <a:buNone/>
+            </a:pPr>
+            <a:r>
+              <a:rPr lang="ru-RU" dirty="0"/>
+              <a:t>	</a:t>
+            </a:r>
+          </a:p>
+        </p:txBody>
+      </p:sp>
+      <p:pic>
+        <p:nvPicPr>
+          <p:cNvPr id="4" name="Рисунок 3"/>
+          <p:cNvPicPr>
+            <a:picLocks noChangeAspect="1"/>
+          </p:cNvPicPr>
+          <p:nvPr/>
+        </p:nvPicPr>
+        <p:blipFill>
+          <a:blip r:embed="rId2"/>
+          <a:stretch>
+            <a:fillRect/>
+          </a:stretch>
+        </p:blipFill>
+        <p:spPr>
+          <a:xfrm>
+            <a:off x="289819" y="1946011"/>
+            <a:ext cx="3307080" cy="2210522"/>
+          </a:xfrm>
+          <a:prstGeom prst="rect">
+            <a:avLst/>
+          </a:prstGeom>
+        </p:spPr>
+      </p:pic>
+    </p:spTree>
+    <p:extLst>
+      <p:ext uri="{BB962C8B-B14F-4D97-AF65-F5344CB8AC3E}">
+        <p14:creationId xmlns:p14="http://schemas.microsoft.com/office/powerpoint/2010/main" val="1373035077"/>
+      </p:ext>
+    </p:extLst>
+  </p:cSld>
+  <p:clrMapOvr>
+    <a:masterClrMapping/>
+  </p:clrMapOvr>
+</p:sld>
+</file>
+
+<file path=ppt/slides/slide14.xml><?xml version="1.0" encoding="utf-8"?>
+<p:sld xmlns:a="http://schemas.openxmlformats.org/drawingml/2006/main" xmlns:r="http://schemas.openxmlformats.org/officeDocument/2006/relationships" xmlns:p="http://schemas.openxmlformats.org/presentationml/2006/main">
+  <p:cSld>
+    <p:spTree>
+      <p:nvGrpSpPr>
+        <p:cNvPr id="1" name=""/>
+        <p:cNvGrpSpPr/>
+        <p:nvPr/>
+      </p:nvGrpSpPr>
+      <p:grpSpPr>
+        <a:xfrm>
+          <a:off x="0" y="0"/>
+          <a:ext cx="0" cy="0"/>
+          <a:chOff x="0" y="0"/>
+          <a:chExt cx="0" cy="0"/>
+        </a:xfrm>
+      </p:grpSpPr>
+      <p:sp>
+        <p:nvSpPr>
+          <p:cNvPr id="2" name="Заголовок 1"/>
+          <p:cNvSpPr>
+            <a:spLocks noGrp="1"/>
+          </p:cNvSpPr>
+          <p:nvPr>
+            <p:ph type="title"/>
+          </p:nvPr>
+        </p:nvSpPr>
+        <p:spPr>
+          <a:xfrm>
+            <a:off x="944880" y="2666365"/>
+            <a:ext cx="10515600" cy="1325563"/>
+          </a:xfrm>
+        </p:spPr>
+        <p:txBody>
+          <a:bodyPr>
+            <a:normAutofit/>
+          </a:bodyPr>
+          <a:lstStyle/>
+          <a:p>
+            <a:pPr algn="ctr"/>
+            <a:r>
+              <a:rPr lang="ru-RU" sz="4800" dirty="0" smtClean="0">
+                <a:latin typeface="Times New Roman" panose="02020603050405020304" pitchFamily="18" charset="0"/>
+                <a:cs typeface="Times New Roman" panose="02020603050405020304" pitchFamily="18" charset="0"/>
+              </a:rPr>
+              <a:t>Спасибо за внимание!</a:t>
+            </a:r>
+            <a:endParaRPr lang="ru-RU" sz="4800" dirty="0">
+              <a:latin typeface="Times New Roman" panose="02020603050405020304" pitchFamily="18" charset="0"/>
+              <a:cs typeface="Times New Roman" panose="02020603050405020304" pitchFamily="18" charset="0"/>
+            </a:endParaRPr>
+          </a:p>
+        </p:txBody>
+      </p:sp>
+    </p:spTree>
+    <p:extLst>
+      <p:ext uri="{BB962C8B-B14F-4D97-AF65-F5344CB8AC3E}">
+        <p14:creationId xmlns:p14="http://schemas.microsoft.com/office/powerpoint/2010/main" val="3974170103"/>
+      </p:ext>
+    </p:extLst>
+  </p:cSld>
+  <p:clrMapOvr>
+    <a:masterClrMapping/>
+  </p:clrMapOvr>
+</p:sld>
+</file>
+
+<file path=ppt/slides/slide2.xml><?xml version="1.0" encoding="utf-8"?>
+<p:sld xmlns:a="http://schemas.openxmlformats.org/drawingml/2006/main" xmlns:r="http://schemas.openxmlformats.org/officeDocument/2006/relationships" xmlns:p="http://schemas.openxmlformats.org/presentationml/2006/main">
+  <p:cSld>
+    <p:spTree>
+      <p:nvGrpSpPr>
+        <p:cNvPr id="1" name=""/>
+        <p:cNvGrpSpPr/>
+        <p:nvPr/>
+      </p:nvGrpSpPr>
+      <p:grpSpPr>
+        <a:xfrm>
+          <a:off x="0" y="0"/>
+          <a:ext cx="0" cy="0"/>
+          <a:chOff x="0" y="0"/>
+          <a:chExt cx="0" cy="0"/>
+        </a:xfrm>
+      </p:grpSpPr>
+      <p:sp>
+        <p:nvSpPr>
+          <p:cNvPr id="2" name="Заголовок 1"/>
+          <p:cNvSpPr>
+            <a:spLocks noGrp="1"/>
+          </p:cNvSpPr>
+          <p:nvPr>
+            <p:ph type="title"/>
+          </p:nvPr>
+        </p:nvSpPr>
+        <p:spPr>
+          <a:xfrm>
+            <a:off x="381000" y="288925"/>
+            <a:ext cx="10515600" cy="1325563"/>
+          </a:xfrm>
+        </p:spPr>
+        <p:txBody>
+          <a:bodyPr/>
+          <a:lstStyle/>
+          <a:p>
+            <a:r>
+              <a:rPr lang="en-US" dirty="0">
+                <a:latin typeface="Times New Roman" panose="02020603050405020304" pitchFamily="18" charset="0"/>
+                <a:cs typeface="Times New Roman" panose="02020603050405020304" pitchFamily="18" charset="0"/>
+              </a:rPr>
+              <a:t>What is UIMA</a:t>
+            </a:r>
+            <a:r>
+              <a:rPr lang="en-US" dirty="0" smtClean="0">
+                <a:latin typeface="Times New Roman" panose="02020603050405020304" pitchFamily="18" charset="0"/>
+                <a:cs typeface="Times New Roman" panose="02020603050405020304" pitchFamily="18" charset="0"/>
+              </a:rPr>
+              <a:t>?</a:t>
+            </a:r>
+            <a:endParaRPr lang="ru-RU" dirty="0">
+              <a:latin typeface="Times New Roman" panose="02020603050405020304" pitchFamily="18" charset="0"/>
+              <a:cs typeface="Times New Roman" panose="02020603050405020304" pitchFamily="18" charset="0"/>
+            </a:endParaRPr>
+          </a:p>
+        </p:txBody>
+      </p:sp>
+      <p:sp>
+        <p:nvSpPr>
+          <p:cNvPr id="3" name="Объект 2"/>
+          <p:cNvSpPr>
+            <a:spLocks noGrp="1"/>
+          </p:cNvSpPr>
+          <p:nvPr>
+            <p:ph idx="1"/>
+          </p:nvPr>
+        </p:nvSpPr>
+        <p:spPr>
+          <a:xfrm>
+            <a:off x="4160520" y="1614488"/>
+            <a:ext cx="8031480" cy="4351338"/>
+          </a:xfrm>
+        </p:spPr>
+        <p:txBody>
+          <a:bodyPr>
+            <a:normAutofit lnSpcReduction="10000"/>
+          </a:bodyPr>
+          <a:lstStyle/>
+          <a:p>
+            <a:pPr marL="0" indent="0">
+              <a:lnSpc>
+                <a:spcPct val="150000"/>
+              </a:lnSpc>
+              <a:buNone/>
+            </a:pPr>
+            <a:r>
+              <a:rPr lang="ru-RU" dirty="0" smtClean="0">
+                <a:latin typeface="Times New Roman" panose="02020603050405020304" pitchFamily="18" charset="0"/>
+                <a:cs typeface="Times New Roman" panose="02020603050405020304" pitchFamily="18" charset="0"/>
+              </a:rPr>
+              <a:t>	</a:t>
+            </a:r>
+            <a:r>
+              <a:rPr lang="en-US" sz="2400" dirty="0" smtClean="0">
+                <a:latin typeface="Times New Roman" panose="02020603050405020304" pitchFamily="18" charset="0"/>
+                <a:cs typeface="Times New Roman" panose="02020603050405020304" pitchFamily="18" charset="0"/>
+              </a:rPr>
+              <a:t>Unstructured Information Management applications</a:t>
+            </a:r>
+            <a:r>
+              <a:rPr lang="ru-RU" sz="2400" dirty="0" smtClean="0">
+                <a:latin typeface="Times New Roman" panose="02020603050405020304" pitchFamily="18" charset="0"/>
+                <a:cs typeface="Times New Roman" panose="02020603050405020304" pitchFamily="18" charset="0"/>
+              </a:rPr>
+              <a:t> - это программные системы, которые анализируют большие объемы неструктурированной информации, чтобы обнаружить знания, которые имеют отношение к конечному пользователю. Пример приложения UIM может использовать простой текст и идентифицировать объекты, такие как лица, места, организации; или отношения, например, работы или для нахождения.</a:t>
+            </a:r>
+            <a:endParaRPr lang="ru-RU" sz="2400" dirty="0">
+              <a:latin typeface="Times New Roman" panose="02020603050405020304" pitchFamily="18" charset="0"/>
+              <a:cs typeface="Times New Roman" panose="02020603050405020304" pitchFamily="18" charset="0"/>
+            </a:endParaRPr>
+          </a:p>
+        </p:txBody>
+      </p:sp>
+      <p:pic>
+        <p:nvPicPr>
+          <p:cNvPr id="4" name="Рисунок 3"/>
+          <p:cNvPicPr>
+            <a:picLocks noChangeAspect="1"/>
+          </p:cNvPicPr>
+          <p:nvPr/>
+        </p:nvPicPr>
+        <p:blipFill>
+          <a:blip r:embed="rId2"/>
+          <a:stretch>
+            <a:fillRect/>
+          </a:stretch>
+        </p:blipFill>
+        <p:spPr>
+          <a:xfrm>
+            <a:off x="274320" y="2813916"/>
+            <a:ext cx="3307080" cy="2210522"/>
+          </a:xfrm>
+          <a:prstGeom prst="rect">
+            <a:avLst/>
+          </a:prstGeom>
+        </p:spPr>
+      </p:pic>
+    </p:spTree>
+    <p:extLst>
+      <p:ext uri="{BB962C8B-B14F-4D97-AF65-F5344CB8AC3E}">
+        <p14:creationId xmlns:p14="http://schemas.microsoft.com/office/powerpoint/2010/main" val="2888818955"/>
+      </p:ext>
+    </p:extLst>
+  </p:cSld>
+  <p:clrMapOvr>
+    <a:masterClrMapping/>
+  </p:clrMapOvr>
+</p:sld>
+</file>
+
+<file path=ppt/slides/slide3.xml><?xml version="1.0" encoding="utf-8"?>
+<p:sld xmlns:a="http://schemas.openxmlformats.org/drawingml/2006/main" xmlns:r="http://schemas.openxmlformats.org/officeDocument/2006/relationships" xmlns:p="http://schemas.openxmlformats.org/presentationml/2006/main">
+  <p:cSld>
+    <p:spTree>
+      <p:nvGrpSpPr>
+        <p:cNvPr id="1" name=""/>
+        <p:cNvGrpSpPr/>
+        <p:nvPr/>
+      </p:nvGrpSpPr>
+      <p:grpSpPr>
+        <a:xfrm>
+          <a:off x="0" y="0"/>
+          <a:ext cx="0" cy="0"/>
+          <a:chOff x="0" y="0"/>
+          <a:chExt cx="0" cy="0"/>
+        </a:xfrm>
+      </p:grpSpPr>
+      <p:sp>
+        <p:nvSpPr>
+          <p:cNvPr id="2" name="Заголовок 1"/>
+          <p:cNvSpPr>
+            <a:spLocks noGrp="1"/>
+          </p:cNvSpPr>
+          <p:nvPr>
+            <p:ph type="title"/>
+          </p:nvPr>
+        </p:nvSpPr>
+        <p:spPr/>
+        <p:txBody>
+          <a:bodyPr/>
+          <a:lstStyle/>
+          <a:p>
+            <a:r>
+              <a:rPr lang="ru-RU" dirty="0" smtClean="0">
+                <a:latin typeface="Times New Roman" panose="02020603050405020304" pitchFamily="18" charset="0"/>
+                <a:cs typeface="Times New Roman" panose="02020603050405020304" pitchFamily="18" charset="0"/>
+              </a:rPr>
+              <a:t>Как работает </a:t>
+            </a:r>
+            <a:r>
+              <a:rPr lang="ru-RU" dirty="0" err="1" smtClean="0">
+                <a:latin typeface="Times New Roman" panose="02020603050405020304" pitchFamily="18" charset="0"/>
+                <a:cs typeface="Times New Roman" panose="02020603050405020304" pitchFamily="18" charset="0"/>
+              </a:rPr>
+              <a:t>аннотатор</a:t>
+            </a:r>
+            <a:r>
+              <a:rPr lang="ru-RU" dirty="0" smtClean="0">
+                <a:latin typeface="Times New Roman" panose="02020603050405020304" pitchFamily="18" charset="0"/>
+                <a:cs typeface="Times New Roman" panose="02020603050405020304" pitchFamily="18" charset="0"/>
+              </a:rPr>
+              <a:t>?</a:t>
+            </a:r>
+            <a:endParaRPr lang="ru-RU" dirty="0">
+              <a:latin typeface="Times New Roman" panose="02020603050405020304" pitchFamily="18" charset="0"/>
+              <a:cs typeface="Times New Roman" panose="02020603050405020304" pitchFamily="18" charset="0"/>
+            </a:endParaRPr>
+          </a:p>
+        </p:txBody>
+      </p:sp>
+      <p:sp>
+        <p:nvSpPr>
+          <p:cNvPr id="3" name="Объект 2"/>
+          <p:cNvSpPr>
+            <a:spLocks noGrp="1"/>
+          </p:cNvSpPr>
+          <p:nvPr>
+            <p:ph idx="1"/>
+          </p:nvPr>
+        </p:nvSpPr>
+        <p:spPr>
+          <a:xfrm>
+            <a:off x="6324600" y="1825625"/>
+            <a:ext cx="5029200" cy="4351338"/>
+          </a:xfrm>
+        </p:spPr>
+        <p:txBody>
+          <a:bodyPr>
+            <a:normAutofit/>
+          </a:bodyPr>
+          <a:lstStyle/>
+          <a:p>
+            <a:pPr marL="0" indent="0">
+              <a:buNone/>
+            </a:pPr>
+            <a:r>
+              <a:rPr lang="ru-RU" sz="3200" dirty="0" smtClean="0">
+                <a:latin typeface="Times New Roman" panose="02020603050405020304" pitchFamily="18" charset="0"/>
+                <a:cs typeface="Times New Roman" panose="02020603050405020304" pitchFamily="18" charset="0"/>
+              </a:rPr>
+              <a:t>На примере </a:t>
+            </a:r>
+            <a:r>
+              <a:rPr lang="ru-RU" sz="3200" dirty="0" err="1" smtClean="0">
+                <a:latin typeface="Times New Roman" panose="02020603050405020304" pitchFamily="18" charset="0"/>
+                <a:cs typeface="Times New Roman" panose="02020603050405020304" pitchFamily="18" charset="0"/>
+              </a:rPr>
+              <a:t>аннотатора</a:t>
+            </a:r>
+            <a:r>
+              <a:rPr lang="ru-RU" sz="3200" dirty="0" smtClean="0">
+                <a:latin typeface="Times New Roman" panose="02020603050405020304" pitchFamily="18" charset="0"/>
+                <a:cs typeface="Times New Roman" panose="02020603050405020304" pitchFamily="18" charset="0"/>
+              </a:rPr>
+              <a:t> текста можно объяснить общий смысл этой технологии: из всего потока данных </a:t>
+            </a:r>
+            <a:r>
+              <a:rPr lang="ru-RU" sz="3200" dirty="0" err="1" smtClean="0">
+                <a:latin typeface="Times New Roman" panose="02020603050405020304" pitchFamily="18" charset="0"/>
+                <a:cs typeface="Times New Roman" panose="02020603050405020304" pitchFamily="18" charset="0"/>
+              </a:rPr>
+              <a:t>аннотатор</a:t>
+            </a:r>
+            <a:r>
+              <a:rPr lang="ru-RU" sz="3200" dirty="0" smtClean="0">
+                <a:latin typeface="Times New Roman" panose="02020603050405020304" pitchFamily="18" charset="0"/>
+                <a:cs typeface="Times New Roman" panose="02020603050405020304" pitchFamily="18" charset="0"/>
+              </a:rPr>
+              <a:t> выделяет (аннотирует) нужные данные</a:t>
+            </a:r>
+            <a:r>
+              <a:rPr lang="ru-RU" sz="3200" dirty="0" smtClean="0"/>
+              <a:t>.</a:t>
+            </a:r>
+            <a:endParaRPr lang="ru-RU" sz="3200" dirty="0"/>
+          </a:p>
+        </p:txBody>
+      </p:sp>
+      <p:pic>
+        <p:nvPicPr>
+          <p:cNvPr id="5" name="Рисунок 4"/>
+          <p:cNvPicPr>
+            <a:picLocks noChangeAspect="1"/>
+          </p:cNvPicPr>
+          <p:nvPr/>
+        </p:nvPicPr>
+        <p:blipFill>
+          <a:blip r:embed="rId2"/>
+          <a:stretch>
+            <a:fillRect/>
+          </a:stretch>
+        </p:blipFill>
+        <p:spPr>
+          <a:xfrm>
+            <a:off x="838199" y="1825624"/>
+            <a:ext cx="4593273" cy="3782695"/>
+          </a:xfrm>
+          <a:prstGeom prst="rect">
+            <a:avLst/>
+          </a:prstGeom>
+        </p:spPr>
+      </p:pic>
+    </p:spTree>
+    <p:extLst>
+      <p:ext uri="{BB962C8B-B14F-4D97-AF65-F5344CB8AC3E}">
+        <p14:creationId xmlns:p14="http://schemas.microsoft.com/office/powerpoint/2010/main" val="734770506"/>
+      </p:ext>
+    </p:extLst>
+  </p:cSld>
+  <p:clrMapOvr>
+    <a:masterClrMapping/>
+  </p:clrMapOvr>
+</p:sld>
+</file>
+
+<file path=ppt/slides/slide4.xml><?xml version="1.0" encoding="utf-8"?>
+<p:sld xmlns:a="http://schemas.openxmlformats.org/drawingml/2006/main" xmlns:r="http://schemas.openxmlformats.org/officeDocument/2006/relationships" xmlns:p="http://schemas.openxmlformats.org/presentationml/2006/main">
+  <p:cSld>
+    <p:spTree>
+      <p:nvGrpSpPr>
+        <p:cNvPr id="1" name=""/>
+        <p:cNvGrpSpPr/>
+        <p:nvPr/>
+      </p:nvGrpSpPr>
+      <p:grpSpPr>
+        <a:xfrm>
+          <a:off x="0" y="0"/>
+          <a:ext cx="0" cy="0"/>
+          <a:chOff x="0" y="0"/>
+          <a:chExt cx="0" cy="0"/>
+        </a:xfrm>
+      </p:grpSpPr>
+      <p:sp>
+        <p:nvSpPr>
+          <p:cNvPr id="2" name="Заголовок 1"/>
+          <p:cNvSpPr>
+            <a:spLocks noGrp="1"/>
+          </p:cNvSpPr>
+          <p:nvPr>
+            <p:ph type="title"/>
+          </p:nvPr>
+        </p:nvSpPr>
+        <p:spPr/>
+        <p:txBody>
+          <a:bodyPr/>
+          <a:lstStyle/>
+          <a:p>
+            <a:r>
+              <a:rPr lang="ru-RU" dirty="0" smtClean="0">
+                <a:latin typeface="Times New Roman" panose="02020603050405020304" pitchFamily="18" charset="0"/>
+                <a:cs typeface="Times New Roman" panose="02020603050405020304" pitchFamily="18" charset="0"/>
+              </a:rPr>
+              <a:t>Как работает </a:t>
+            </a:r>
+            <a:r>
+              <a:rPr lang="en-US" dirty="0" smtClean="0">
+                <a:latin typeface="Times New Roman" panose="02020603050405020304" pitchFamily="18" charset="0"/>
+                <a:cs typeface="Times New Roman" panose="02020603050405020304" pitchFamily="18" charset="0"/>
+              </a:rPr>
+              <a:t>UIMA</a:t>
+            </a:r>
+            <a:endParaRPr lang="ru-RU" dirty="0">
+              <a:latin typeface="Times New Roman" panose="02020603050405020304" pitchFamily="18" charset="0"/>
+              <a:cs typeface="Times New Roman" panose="02020603050405020304" pitchFamily="18" charset="0"/>
+            </a:endParaRPr>
+          </a:p>
+        </p:txBody>
+      </p:sp>
+      <p:pic>
+        <p:nvPicPr>
+          <p:cNvPr id="5" name="image24.png"/>
+          <p:cNvPicPr/>
+          <p:nvPr/>
+        </p:nvPicPr>
+        <p:blipFill>
+          <a:blip r:embed="rId2"/>
+          <a:srcRect/>
+          <a:stretch>
+            <a:fillRect/>
+          </a:stretch>
+        </p:blipFill>
+        <p:spPr>
+          <a:xfrm>
+            <a:off x="838200" y="1690688"/>
+            <a:ext cx="10027920" cy="4542472"/>
+          </a:xfrm>
+          <a:prstGeom prst="rect">
+            <a:avLst/>
+          </a:prstGeom>
+          <a:ln/>
+        </p:spPr>
+      </p:pic>
+    </p:spTree>
+    <p:extLst>
+      <p:ext uri="{BB962C8B-B14F-4D97-AF65-F5344CB8AC3E}">
+        <p14:creationId xmlns:p14="http://schemas.microsoft.com/office/powerpoint/2010/main" val="3079703987"/>
+      </p:ext>
+    </p:extLst>
+  </p:cSld>
+  <p:clrMapOvr>
+    <a:masterClrMapping/>
+  </p:clrMapOvr>
+</p:sld>
+</file>
+
+<file path=ppt/slides/slide5.xml><?xml version="1.0" encoding="utf-8"?>
+<p:sld xmlns:a="http://schemas.openxmlformats.org/drawingml/2006/main" xmlns:r="http://schemas.openxmlformats.org/officeDocument/2006/relationships" xmlns:p="http://schemas.openxmlformats.org/presentationml/2006/main">
+  <p:cSld>
+    <p:spTree>
+      <p:nvGrpSpPr>
+        <p:cNvPr id="1" name=""/>
+        <p:cNvGrpSpPr/>
+        <p:nvPr/>
+      </p:nvGrpSpPr>
+      <p:grpSpPr>
+        <a:xfrm>
+          <a:off x="0" y="0"/>
+          <a:ext cx="0" cy="0"/>
+          <a:chOff x="0" y="0"/>
+          <a:chExt cx="0" cy="0"/>
+        </a:xfrm>
+      </p:grpSpPr>
+      <p:sp>
+        <p:nvSpPr>
+          <p:cNvPr id="2" name="Заголовок 1"/>
+          <p:cNvSpPr>
+            <a:spLocks noGrp="1"/>
+          </p:cNvSpPr>
+          <p:nvPr>
+            <p:ph type="title"/>
+          </p:nvPr>
+        </p:nvSpPr>
+        <p:spPr/>
+        <p:txBody>
+          <a:bodyPr>
+            <a:normAutofit/>
+          </a:bodyPr>
+          <a:lstStyle/>
+          <a:p>
+            <a:r>
+              <a:rPr lang="ru-RU" sz="3200" dirty="0">
+                <a:latin typeface="Times New Roman" pitchFamily="18" charset="0"/>
+                <a:cs typeface="Times New Roman" pitchFamily="18" charset="0"/>
+              </a:rPr>
+              <a:t>Разрабатываемая система в окружении внешних систем</a:t>
+            </a:r>
+            <a:endParaRPr lang="ru-RU" sz="3200" dirty="0"/>
+          </a:p>
+        </p:txBody>
+      </p:sp>
+      <p:pic>
+        <p:nvPicPr>
+          <p:cNvPr id="4" name="Рисунок 3"/>
+          <p:cNvPicPr>
+            <a:picLocks noChangeAspect="1"/>
+          </p:cNvPicPr>
+          <p:nvPr/>
+        </p:nvPicPr>
+        <p:blipFill>
+          <a:blip r:embed="rId2"/>
+          <a:stretch>
+            <a:fillRect/>
+          </a:stretch>
+        </p:blipFill>
+        <p:spPr>
+          <a:xfrm>
+            <a:off x="2160076" y="1531157"/>
+            <a:ext cx="7871847" cy="5005154"/>
+          </a:xfrm>
+          <a:prstGeom prst="rect">
+            <a:avLst/>
+          </a:prstGeom>
+        </p:spPr>
+      </p:pic>
+    </p:spTree>
+    <p:extLst>
+      <p:ext uri="{BB962C8B-B14F-4D97-AF65-F5344CB8AC3E}">
+        <p14:creationId xmlns:p14="http://schemas.microsoft.com/office/powerpoint/2010/main" val="3642652929"/>
+      </p:ext>
+    </p:extLst>
+  </p:cSld>
+  <p:clrMapOvr>
+    <a:masterClrMapping/>
+  </p:clrMapOvr>
+</p:sld>
+</file>
+
+<file path=ppt/slides/slide6.xml><?xml version="1.0" encoding="utf-8"?>
+<p:sld xmlns:a="http://schemas.openxmlformats.org/drawingml/2006/main" xmlns:r="http://schemas.openxmlformats.org/officeDocument/2006/relationships" xmlns:p="http://schemas.openxmlformats.org/presentationml/2006/main">
+  <p:cSld>
+    <p:spTree>
+      <p:nvGrpSpPr>
+        <p:cNvPr id="1" name=""/>
+        <p:cNvGrpSpPr/>
+        <p:nvPr/>
+      </p:nvGrpSpPr>
+      <p:grpSpPr>
+        <a:xfrm>
+          <a:off x="0" y="0"/>
+          <a:ext cx="0" cy="0"/>
+          <a:chOff x="0" y="0"/>
+          <a:chExt cx="0" cy="0"/>
+        </a:xfrm>
+      </p:grpSpPr>
+      <p:sp>
+        <p:nvSpPr>
+          <p:cNvPr id="2" name="Заголовок 1"/>
+          <p:cNvSpPr>
+            <a:spLocks noGrp="1"/>
+          </p:cNvSpPr>
+          <p:nvPr>
+            <p:ph type="title"/>
+          </p:nvPr>
+        </p:nvSpPr>
+        <p:spPr/>
+        <p:txBody>
+          <a:bodyPr/>
+          <a:lstStyle/>
+          <a:p>
+            <a:r>
+              <a:rPr lang="ru-RU" dirty="0" smtClean="0">
+                <a:latin typeface="Times New Roman" panose="02020603050405020304" pitchFamily="18" charset="0"/>
+                <a:cs typeface="Times New Roman" panose="02020603050405020304" pitchFamily="18" charset="0"/>
+              </a:rPr>
+              <a:t>Техническое задание</a:t>
+            </a:r>
+            <a:endParaRPr lang="ru-RU" dirty="0">
+              <a:latin typeface="Times New Roman" panose="02020603050405020304" pitchFamily="18" charset="0"/>
+              <a:cs typeface="Times New Roman" panose="02020603050405020304" pitchFamily="18" charset="0"/>
+            </a:endParaRPr>
+          </a:p>
+        </p:txBody>
+      </p:sp>
+      <p:sp>
+        <p:nvSpPr>
+          <p:cNvPr id="3" name="Объект 2"/>
+          <p:cNvSpPr>
+            <a:spLocks noGrp="1"/>
+          </p:cNvSpPr>
+          <p:nvPr>
+            <p:ph idx="1"/>
+          </p:nvPr>
+        </p:nvSpPr>
+        <p:spPr/>
+        <p:txBody>
+          <a:bodyPr>
+            <a:normAutofit/>
+          </a:bodyPr>
+          <a:lstStyle/>
+          <a:p>
+            <a:pPr marL="0" indent="0">
+              <a:buNone/>
+            </a:pPr>
+            <a:r>
+              <a:rPr lang="ru-RU" dirty="0" smtClean="0">
+                <a:latin typeface="Times New Roman" panose="02020603050405020304" pitchFamily="18" charset="0"/>
+                <a:cs typeface="Times New Roman" panose="02020603050405020304" pitchFamily="18" charset="0"/>
+              </a:rPr>
+              <a:t>Разработка </a:t>
+            </a:r>
+            <a:r>
+              <a:rPr lang="ru-RU" dirty="0" err="1">
+                <a:latin typeface="Times New Roman" panose="02020603050405020304" pitchFamily="18" charset="0"/>
+                <a:cs typeface="Times New Roman" panose="02020603050405020304" pitchFamily="18" charset="0"/>
+              </a:rPr>
+              <a:t>Apache</a:t>
+            </a:r>
+            <a:r>
+              <a:rPr lang="ru-RU" dirty="0">
+                <a:latin typeface="Times New Roman" panose="02020603050405020304" pitchFamily="18" charset="0"/>
+                <a:cs typeface="Times New Roman" panose="02020603050405020304" pitchFamily="18" charset="0"/>
+              </a:rPr>
+              <a:t> UIMA </a:t>
+            </a:r>
+            <a:r>
+              <a:rPr lang="ru-RU" dirty="0" err="1">
+                <a:latin typeface="Times New Roman" panose="02020603050405020304" pitchFamily="18" charset="0"/>
+                <a:cs typeface="Times New Roman" panose="02020603050405020304" pitchFamily="18" charset="0"/>
+              </a:rPr>
+              <a:t>OSGi</a:t>
+            </a:r>
+            <a:r>
+              <a:rPr lang="ru-RU" dirty="0">
+                <a:latin typeface="Times New Roman" panose="02020603050405020304" pitchFamily="18" charset="0"/>
+                <a:cs typeface="Times New Roman" panose="02020603050405020304" pitchFamily="18" charset="0"/>
+              </a:rPr>
+              <a:t> компонента, </a:t>
+            </a:r>
+            <a:r>
+              <a:rPr lang="ru-RU" dirty="0" smtClean="0">
+                <a:latin typeface="Times New Roman" panose="02020603050405020304" pitchFamily="18" charset="0"/>
+                <a:cs typeface="Times New Roman" panose="02020603050405020304" pitchFamily="18" charset="0"/>
+              </a:rPr>
+              <a:t>распознающего позы и аннотирующего данные 3D камеры:</a:t>
+            </a:r>
+            <a:endParaRPr lang="ru-RU" dirty="0">
+              <a:latin typeface="Times New Roman" panose="02020603050405020304" pitchFamily="18" charset="0"/>
+              <a:cs typeface="Times New Roman" panose="02020603050405020304" pitchFamily="18" charset="0"/>
+            </a:endParaRPr>
+          </a:p>
+          <a:p>
+            <a:r>
+              <a:rPr lang="ru-RU" dirty="0" smtClean="0">
+                <a:latin typeface="Times New Roman" panose="02020603050405020304" pitchFamily="18" charset="0"/>
+                <a:cs typeface="Times New Roman" panose="02020603050405020304" pitchFamily="18" charset="0"/>
+              </a:rPr>
+              <a:t>изучить </a:t>
+            </a:r>
+            <a:r>
+              <a:rPr lang="ru-RU" dirty="0">
+                <a:latin typeface="Times New Roman" panose="02020603050405020304" pitchFamily="18" charset="0"/>
+                <a:cs typeface="Times New Roman" panose="02020603050405020304" pitchFamily="18" charset="0"/>
+              </a:rPr>
+              <a:t>соответствующие системы;</a:t>
+            </a:r>
+          </a:p>
+          <a:p>
+            <a:r>
+              <a:rPr lang="ru-RU" dirty="0" smtClean="0">
+                <a:latin typeface="Times New Roman" panose="02020603050405020304" pitchFamily="18" charset="0"/>
+                <a:cs typeface="Times New Roman" panose="02020603050405020304" pitchFamily="18" charset="0"/>
+              </a:rPr>
+              <a:t>спроектировать </a:t>
+            </a:r>
+            <a:r>
+              <a:rPr lang="ru-RU" dirty="0">
+                <a:latin typeface="Times New Roman" panose="02020603050405020304" pitchFamily="18" charset="0"/>
+                <a:cs typeface="Times New Roman" panose="02020603050405020304" pitchFamily="18" charset="0"/>
+              </a:rPr>
+              <a:t>интерфейс компонента</a:t>
+            </a:r>
+            <a:r>
+              <a:rPr lang="ru-RU" dirty="0" smtClean="0">
+                <a:latin typeface="Times New Roman" panose="02020603050405020304" pitchFamily="18" charset="0"/>
+                <a:cs typeface="Times New Roman" panose="02020603050405020304" pitchFamily="18" charset="0"/>
+              </a:rPr>
+              <a:t>;</a:t>
+            </a:r>
+            <a:endParaRPr lang="ru-RU" dirty="0">
+              <a:latin typeface="Times New Roman" panose="02020603050405020304" pitchFamily="18" charset="0"/>
+              <a:cs typeface="Times New Roman" panose="02020603050405020304" pitchFamily="18" charset="0"/>
+            </a:endParaRPr>
+          </a:p>
+          <a:p>
+            <a:r>
+              <a:rPr lang="ru-RU" dirty="0" smtClean="0">
+                <a:latin typeface="Times New Roman" panose="02020603050405020304" pitchFamily="18" charset="0"/>
+                <a:cs typeface="Times New Roman" panose="02020603050405020304" pitchFamily="18" charset="0"/>
+              </a:rPr>
+              <a:t>реализовать </a:t>
+            </a:r>
+            <a:r>
+              <a:rPr lang="ru-RU" dirty="0">
+                <a:latin typeface="Times New Roman" panose="02020603050405020304" pitchFamily="18" charset="0"/>
+                <a:cs typeface="Times New Roman" panose="02020603050405020304" pitchFamily="18" charset="0"/>
+              </a:rPr>
+              <a:t>компонент;</a:t>
+            </a:r>
+          </a:p>
+          <a:p>
+            <a:r>
+              <a:rPr lang="ru-RU" dirty="0" smtClean="0">
+                <a:latin typeface="Times New Roman" panose="02020603050405020304" pitchFamily="18" charset="0"/>
+                <a:cs typeface="Times New Roman" panose="02020603050405020304" pitchFamily="18" charset="0"/>
+              </a:rPr>
+              <a:t>спроектировать </a:t>
+            </a:r>
+            <a:r>
+              <a:rPr lang="ru-RU" dirty="0" err="1">
+                <a:latin typeface="Times New Roman" panose="02020603050405020304" pitchFamily="18" charset="0"/>
+                <a:cs typeface="Times New Roman" panose="02020603050405020304" pitchFamily="18" charset="0"/>
+              </a:rPr>
+              <a:t>JUnit</a:t>
+            </a:r>
+            <a:r>
+              <a:rPr lang="ru-RU" dirty="0">
+                <a:latin typeface="Times New Roman" panose="02020603050405020304" pitchFamily="18" charset="0"/>
+                <a:cs typeface="Times New Roman" panose="02020603050405020304" pitchFamily="18" charset="0"/>
+              </a:rPr>
+              <a:t> тесты, провести тестирование;</a:t>
+            </a:r>
+          </a:p>
+          <a:p>
+            <a:r>
+              <a:rPr lang="ru-RU" dirty="0" smtClean="0">
+                <a:latin typeface="Times New Roman" panose="02020603050405020304" pitchFamily="18" charset="0"/>
+                <a:cs typeface="Times New Roman" panose="02020603050405020304" pitchFamily="18" charset="0"/>
+              </a:rPr>
+              <a:t>описать </a:t>
+            </a:r>
+            <a:r>
+              <a:rPr lang="ru-RU" dirty="0">
+                <a:latin typeface="Times New Roman" panose="02020603050405020304" pitchFamily="18" charset="0"/>
+                <a:cs typeface="Times New Roman" panose="02020603050405020304" pitchFamily="18" charset="0"/>
+              </a:rPr>
+              <a:t>требования, конструкцию, особенности сборки и запуска </a:t>
+            </a:r>
+            <a:r>
+              <a:rPr lang="ru-RU" dirty="0" smtClean="0">
+                <a:latin typeface="Times New Roman" panose="02020603050405020304" pitchFamily="18" charset="0"/>
+                <a:cs typeface="Times New Roman" panose="02020603050405020304" pitchFamily="18" charset="0"/>
+              </a:rPr>
+              <a:t>в документации</a:t>
+            </a:r>
+            <a:r>
+              <a:rPr lang="ru-RU" dirty="0">
+                <a:latin typeface="Times New Roman" panose="02020603050405020304" pitchFamily="18" charset="0"/>
+                <a:cs typeface="Times New Roman" panose="02020603050405020304" pitchFamily="18" charset="0"/>
+              </a:rPr>
+              <a:t>.</a:t>
+            </a:r>
+          </a:p>
+        </p:txBody>
+      </p:sp>
+    </p:spTree>
+    <p:extLst>
+      <p:ext uri="{BB962C8B-B14F-4D97-AF65-F5344CB8AC3E}">
+        <p14:creationId xmlns:p14="http://schemas.microsoft.com/office/powerpoint/2010/main" val="4176856837"/>
+      </p:ext>
+    </p:extLst>
+  </p:cSld>
+  <p:clrMapOvr>
+    <a:masterClrMapping/>
+  </p:clrMapOvr>
+</p:sld>
+</file>
+
+<file path=ppt/slides/slide7.xml><?xml version="1.0" encoding="utf-8"?>
+<p:sld xmlns:a="http://schemas.openxmlformats.org/drawingml/2006/main" xmlns:r="http://schemas.openxmlformats.org/officeDocument/2006/relationships" xmlns:p="http://schemas.openxmlformats.org/presentationml/2006/main">
+  <p:cSld>
+    <p:spTree>
+      <p:nvGrpSpPr>
+        <p:cNvPr id="1" name=""/>
+        <p:cNvGrpSpPr/>
+        <p:nvPr/>
+      </p:nvGrpSpPr>
+      <p:grpSpPr>
+        <a:xfrm>
+          <a:off x="0" y="0"/>
+          <a:ext cx="0" cy="0"/>
+          <a:chOff x="0" y="0"/>
+          <a:chExt cx="0" cy="0"/>
+        </a:xfrm>
+      </p:grpSpPr>
+      <p:sp>
+        <p:nvSpPr>
+          <p:cNvPr id="2" name="Заголовок 1"/>
+          <p:cNvSpPr>
+            <a:spLocks noGrp="1"/>
+          </p:cNvSpPr>
+          <p:nvPr>
+            <p:ph type="title"/>
+          </p:nvPr>
+        </p:nvSpPr>
+        <p:spPr/>
+        <p:txBody>
+          <a:bodyPr>
+            <a:normAutofit/>
+          </a:bodyPr>
+          <a:lstStyle/>
+          <a:p>
+            <a:r>
+              <a:rPr lang="ru-RU" sz="3200" dirty="0">
+                <a:latin typeface="Times New Roman" pitchFamily="18" charset="0"/>
+                <a:cs typeface="Arial" charset="0"/>
+              </a:rPr>
+              <a:t>Выявление заинтересованных сторон и их интересов </a:t>
+            </a:r>
+            <a:endParaRPr lang="ru-RU" sz="3200" dirty="0"/>
+          </a:p>
+        </p:txBody>
+      </p:sp>
+      <p:graphicFrame>
+        <p:nvGraphicFramePr>
+          <p:cNvPr id="4" name="Объект 3"/>
+          <p:cNvGraphicFramePr>
+            <a:graphicFrameLocks noGrp="1"/>
+          </p:cNvGraphicFramePr>
+          <p:nvPr>
+            <p:ph idx="1"/>
+            <p:extLst>
+              <p:ext uri="{D42A27DB-BD31-4B8C-83A1-F6EECF244321}">
+                <p14:modId xmlns:p14="http://schemas.microsoft.com/office/powerpoint/2010/main" val="4141609088"/>
+              </p:ext>
+            </p:extLst>
+          </p:nvPr>
+        </p:nvGraphicFramePr>
+        <p:xfrm>
+          <a:off x="948690" y="1275810"/>
+          <a:ext cx="9947910" cy="5307870"/>
+        </p:xfrm>
+        <a:graphic>
+          <a:graphicData uri="http://schemas.openxmlformats.org/drawingml/2006/table">
+            <a:tbl>
+              <a:tblPr firstRow="1" firstCol="1" bandRow="1" bandCol="1">
+                <a:tableStyleId>{5C22544A-7EE6-4342-B048-85BDC9FD1C3A}</a:tableStyleId>
+              </a:tblPr>
+              <a:tblGrid>
+                <a:gridCol w="3010285"/>
+                <a:gridCol w="6937625"/>
+              </a:tblGrid>
+              <a:tr h="497773">
+                <a:tc>
+                  <a:txBody>
+                    <a:bodyPr/>
+                    <a:lstStyle/>
+                    <a:p>
+                      <a:pPr marR="36830">
+                        <a:lnSpc>
+                          <a:spcPct val="107000"/>
+                        </a:lnSpc>
+                        <a:spcAft>
+                          <a:spcPts val="0"/>
+                        </a:spcAft>
+                      </a:pPr>
+                      <a:r>
+                        <a:rPr lang="ru-RU" sz="1200" dirty="0">
+                          <a:effectLst/>
+                        </a:rPr>
+                        <a:t>Заинтересованные стороны</a:t>
+                      </a:r>
+                      <a:endParaRPr lang="ru-RU" sz="1200" dirty="0">
+                        <a:effectLst/>
+                        <a:latin typeface="Times New Roman" panose="02020603050405020304" pitchFamily="18" charset="0"/>
+                        <a:ea typeface="Calibri" panose="020F0502020204030204" pitchFamily="34" charset="0"/>
+                        <a:cs typeface="Times New Roman" panose="02020603050405020304" pitchFamily="18" charset="0"/>
+                      </a:endParaRPr>
+                    </a:p>
+                  </a:txBody>
+                  <a:tcPr marL="68580" marR="68580" marT="0" marB="0"/>
+                </a:tc>
+                <a:tc>
+                  <a:txBody>
+                    <a:bodyPr/>
+                    <a:lstStyle/>
+                    <a:p>
+                      <a:pPr>
+                        <a:lnSpc>
+                          <a:spcPct val="107000"/>
+                        </a:lnSpc>
+                        <a:spcAft>
+                          <a:spcPts val="0"/>
+                        </a:spcAft>
+                      </a:pPr>
+                      <a:r>
+                        <a:rPr lang="ru-RU" sz="1200">
+                          <a:effectLst/>
+                        </a:rPr>
+                        <a:t>Интересы заинтересованных сторон</a:t>
+                      </a:r>
+                      <a:endParaRPr lang="ru-RU" sz="1200">
+                        <a:effectLst/>
+                        <a:latin typeface="Times New Roman" panose="02020603050405020304" pitchFamily="18" charset="0"/>
+                        <a:ea typeface="Calibri" panose="020F0502020204030204" pitchFamily="34" charset="0"/>
+                        <a:cs typeface="Times New Roman" panose="02020603050405020304" pitchFamily="18" charset="0"/>
+                      </a:endParaRPr>
+                    </a:p>
+                  </a:txBody>
+                  <a:tcPr marL="68580" marR="68580" marT="0" marB="0"/>
+                </a:tc>
+              </a:tr>
+              <a:tr h="1773457">
+                <a:tc>
+                  <a:txBody>
+                    <a:bodyPr/>
+                    <a:lstStyle/>
+                    <a:p>
+                      <a:pPr marR="36830">
+                        <a:lnSpc>
+                          <a:spcPct val="107000"/>
+                        </a:lnSpc>
+                        <a:spcAft>
+                          <a:spcPts val="0"/>
+                        </a:spcAft>
+                      </a:pPr>
+                      <a:r>
+                        <a:rPr lang="ru-RU" sz="1200">
+                          <a:effectLst/>
+                        </a:rPr>
+                        <a:t>Пользователь системы умного дома</a:t>
+                      </a:r>
+                      <a:endParaRPr lang="ru-RU" sz="1200">
+                        <a:effectLst/>
+                        <a:latin typeface="Times New Roman" panose="02020603050405020304" pitchFamily="18" charset="0"/>
+                        <a:ea typeface="Calibri" panose="020F0502020204030204" pitchFamily="34" charset="0"/>
+                        <a:cs typeface="Times New Roman" panose="02020603050405020304" pitchFamily="18" charset="0"/>
+                      </a:endParaRPr>
+                    </a:p>
+                  </a:txBody>
+                  <a:tcPr marL="68580" marR="68580" marT="0" marB="0"/>
+                </a:tc>
+                <a:tc>
+                  <a:txBody>
+                    <a:bodyPr/>
+                    <a:lstStyle/>
+                    <a:p>
+                      <a:pPr>
+                        <a:lnSpc>
+                          <a:spcPct val="107000"/>
+                        </a:lnSpc>
+                        <a:spcAft>
+                          <a:spcPts val="0"/>
+                        </a:spcAft>
+                      </a:pPr>
+                      <a:r>
+                        <a:rPr lang="ru-RU" sz="1200" dirty="0">
+                          <a:effectLst/>
+                        </a:rPr>
+                        <a:t>Точный поиск.</a:t>
+                      </a:r>
+                    </a:p>
+                    <a:p>
+                      <a:pPr>
+                        <a:lnSpc>
+                          <a:spcPct val="107000"/>
+                        </a:lnSpc>
+                        <a:spcAft>
+                          <a:spcPts val="0"/>
+                        </a:spcAft>
+                      </a:pPr>
+                      <a:r>
+                        <a:rPr lang="ru-RU" sz="1200" dirty="0">
+                          <a:effectLst/>
+                        </a:rPr>
+                        <a:t> </a:t>
+                      </a:r>
+                    </a:p>
+                    <a:p>
+                      <a:pPr>
+                        <a:lnSpc>
+                          <a:spcPct val="107000"/>
+                        </a:lnSpc>
+                        <a:spcAft>
+                          <a:spcPts val="0"/>
+                        </a:spcAft>
+                      </a:pPr>
+                      <a:r>
+                        <a:rPr lang="ru-RU" sz="1200" dirty="0">
+                          <a:effectLst/>
+                        </a:rPr>
+                        <a:t>Возможность поиска на фото и видео в трехмерном пространстве.</a:t>
+                      </a:r>
+                    </a:p>
+                    <a:p>
+                      <a:pPr>
+                        <a:lnSpc>
+                          <a:spcPct val="107000"/>
+                        </a:lnSpc>
+                        <a:spcAft>
+                          <a:spcPts val="0"/>
+                        </a:spcAft>
+                      </a:pPr>
+                      <a:r>
+                        <a:rPr lang="ru-RU" sz="1200" dirty="0">
+                          <a:effectLst/>
+                        </a:rPr>
+                        <a:t> </a:t>
+                      </a:r>
+                    </a:p>
+                    <a:p>
+                      <a:pPr>
+                        <a:lnSpc>
+                          <a:spcPct val="107000"/>
+                        </a:lnSpc>
+                        <a:spcAft>
+                          <a:spcPts val="0"/>
+                        </a:spcAft>
+                      </a:pPr>
+                      <a:r>
+                        <a:rPr lang="ru-RU" sz="1200" dirty="0">
+                          <a:effectLst/>
+                        </a:rPr>
+                        <a:t>Управление с помощью движений тела.</a:t>
+                      </a:r>
+                    </a:p>
+                    <a:p>
+                      <a:pPr>
+                        <a:lnSpc>
+                          <a:spcPct val="107000"/>
+                        </a:lnSpc>
+                        <a:spcAft>
+                          <a:spcPts val="0"/>
+                        </a:spcAft>
+                      </a:pPr>
+                      <a:r>
+                        <a:rPr lang="ru-RU" sz="1200" dirty="0">
+                          <a:effectLst/>
+                        </a:rPr>
+                        <a:t> </a:t>
+                      </a:r>
+                      <a:endParaRPr lang="ru-RU" sz="1200" dirty="0">
+                        <a:effectLst/>
+                        <a:latin typeface="Times New Roman" panose="02020603050405020304" pitchFamily="18" charset="0"/>
+                        <a:ea typeface="Calibri" panose="020F0502020204030204" pitchFamily="34" charset="0"/>
+                        <a:cs typeface="Times New Roman" panose="02020603050405020304" pitchFamily="18" charset="0"/>
+                      </a:endParaRPr>
+                    </a:p>
+                  </a:txBody>
+                  <a:tcPr marL="68580" marR="68580" marT="0" marB="0"/>
+                </a:tc>
+              </a:tr>
+              <a:tr h="1008046">
+                <a:tc>
+                  <a:txBody>
+                    <a:bodyPr/>
+                    <a:lstStyle/>
+                    <a:p>
+                      <a:pPr marR="36830">
+                        <a:lnSpc>
+                          <a:spcPct val="107000"/>
+                        </a:lnSpc>
+                        <a:spcAft>
+                          <a:spcPts val="0"/>
+                        </a:spcAft>
+                      </a:pPr>
+                      <a:r>
+                        <a:rPr lang="ru-RU" sz="1200" dirty="0">
+                          <a:effectLst/>
+                        </a:rPr>
+                        <a:t>Создатель 3</a:t>
+                      </a:r>
+                      <a:r>
+                        <a:rPr lang="en-US" sz="1200" dirty="0">
+                          <a:effectLst/>
+                        </a:rPr>
+                        <a:t>D</a:t>
+                      </a:r>
+                      <a:r>
+                        <a:rPr lang="ru-RU" sz="1200" dirty="0">
+                          <a:effectLst/>
+                        </a:rPr>
+                        <a:t> графики (кинематограф / игры)</a:t>
+                      </a:r>
+                      <a:endParaRPr lang="ru-RU" sz="1200" dirty="0">
+                        <a:effectLst/>
+                        <a:latin typeface="Times New Roman" panose="02020603050405020304" pitchFamily="18" charset="0"/>
+                        <a:ea typeface="Calibri" panose="020F0502020204030204" pitchFamily="34" charset="0"/>
+                        <a:cs typeface="Times New Roman" panose="02020603050405020304" pitchFamily="18" charset="0"/>
+                      </a:endParaRPr>
+                    </a:p>
+                  </a:txBody>
+                  <a:tcPr marL="68580" marR="68580" marT="0" marB="0"/>
+                </a:tc>
+                <a:tc>
+                  <a:txBody>
+                    <a:bodyPr/>
+                    <a:lstStyle/>
+                    <a:p>
+                      <a:pPr>
+                        <a:lnSpc>
+                          <a:spcPct val="107000"/>
+                        </a:lnSpc>
+                        <a:spcAft>
+                          <a:spcPts val="0"/>
+                        </a:spcAft>
+                      </a:pPr>
+                      <a:r>
+                        <a:rPr lang="ru-RU" sz="1200" dirty="0">
+                          <a:effectLst/>
+                        </a:rPr>
+                        <a:t>Точный поиск.</a:t>
+                      </a:r>
+                    </a:p>
+                    <a:p>
+                      <a:pPr>
+                        <a:lnSpc>
+                          <a:spcPct val="107000"/>
+                        </a:lnSpc>
+                        <a:spcAft>
+                          <a:spcPts val="0"/>
+                        </a:spcAft>
+                      </a:pPr>
+                      <a:r>
+                        <a:rPr lang="ru-RU" sz="1200" dirty="0">
+                          <a:effectLst/>
+                        </a:rPr>
+                        <a:t> </a:t>
+                      </a:r>
+                    </a:p>
+                    <a:p>
+                      <a:pPr>
+                        <a:lnSpc>
+                          <a:spcPct val="107000"/>
+                        </a:lnSpc>
+                        <a:spcAft>
+                          <a:spcPts val="0"/>
+                        </a:spcAft>
+                      </a:pPr>
+                      <a:r>
+                        <a:rPr lang="ru-RU" sz="1200" dirty="0">
+                          <a:effectLst/>
+                        </a:rPr>
+                        <a:t>Отслеживание движений при распознавании.</a:t>
+                      </a:r>
+                    </a:p>
+                    <a:p>
+                      <a:pPr>
+                        <a:lnSpc>
+                          <a:spcPct val="107000"/>
+                        </a:lnSpc>
+                        <a:spcAft>
+                          <a:spcPts val="0"/>
+                        </a:spcAft>
+                      </a:pPr>
+                      <a:r>
+                        <a:rPr lang="ru-RU" sz="1200" dirty="0">
+                          <a:effectLst/>
+                        </a:rPr>
+                        <a:t> </a:t>
+                      </a:r>
+                      <a:endParaRPr lang="ru-RU" sz="1200" dirty="0">
+                        <a:effectLst/>
+                        <a:latin typeface="Times New Roman" panose="02020603050405020304" pitchFamily="18" charset="0"/>
+                        <a:ea typeface="Calibri" panose="020F0502020204030204" pitchFamily="34" charset="0"/>
+                        <a:cs typeface="Times New Roman" panose="02020603050405020304" pitchFamily="18" charset="0"/>
+                      </a:endParaRPr>
+                    </a:p>
+                  </a:txBody>
+                  <a:tcPr marL="68580" marR="68580" marT="0" marB="0"/>
+                </a:tc>
+              </a:tr>
+              <a:tr h="2028594">
+                <a:tc>
+                  <a:txBody>
+                    <a:bodyPr/>
+                    <a:lstStyle/>
+                    <a:p>
+                      <a:pPr marR="36830">
+                        <a:lnSpc>
+                          <a:spcPct val="107000"/>
+                        </a:lnSpc>
+                        <a:spcAft>
+                          <a:spcPts val="0"/>
+                        </a:spcAft>
+                      </a:pPr>
+                      <a:r>
+                        <a:rPr lang="ru-RU" sz="1200" dirty="0">
+                          <a:effectLst/>
+                        </a:rPr>
+                        <a:t>Робот-помощник или военный робот</a:t>
+                      </a:r>
+                      <a:endParaRPr lang="ru-RU" sz="1200" dirty="0">
+                        <a:effectLst/>
+                        <a:latin typeface="Times New Roman" panose="02020603050405020304" pitchFamily="18" charset="0"/>
+                        <a:ea typeface="Calibri" panose="020F0502020204030204" pitchFamily="34" charset="0"/>
+                        <a:cs typeface="Times New Roman" panose="02020603050405020304" pitchFamily="18" charset="0"/>
+                      </a:endParaRPr>
+                    </a:p>
+                  </a:txBody>
+                  <a:tcPr marL="68580" marR="68580" marT="0" marB="0"/>
+                </a:tc>
+                <a:tc>
+                  <a:txBody>
+                    <a:bodyPr/>
+                    <a:lstStyle/>
+                    <a:p>
+                      <a:pPr marL="0" indent="0" algn="just">
+                        <a:lnSpc>
+                          <a:spcPct val="107000"/>
+                        </a:lnSpc>
+                        <a:spcAft>
+                          <a:spcPts val="0"/>
+                        </a:spcAft>
+                      </a:pPr>
+                      <a:r>
+                        <a:rPr lang="ru-RU" sz="1200" dirty="0" smtClean="0">
+                          <a:effectLst/>
+                        </a:rPr>
+                        <a:t>Точный </a:t>
+                      </a:r>
+                      <a:r>
+                        <a:rPr lang="ru-RU" sz="1200" dirty="0">
+                          <a:effectLst/>
+                        </a:rPr>
+                        <a:t>поиск.</a:t>
+                      </a:r>
+                    </a:p>
+                    <a:p>
+                      <a:pPr marL="0" indent="0" algn="just">
+                        <a:lnSpc>
+                          <a:spcPct val="107000"/>
+                        </a:lnSpc>
+                        <a:spcAft>
+                          <a:spcPts val="0"/>
+                        </a:spcAft>
+                      </a:pPr>
+                      <a:r>
+                        <a:rPr lang="ru-RU" sz="1200" dirty="0">
+                          <a:effectLst/>
+                        </a:rPr>
+                        <a:t> </a:t>
+                      </a:r>
+                    </a:p>
+                    <a:p>
+                      <a:pPr marL="0" indent="0" algn="just">
+                        <a:lnSpc>
+                          <a:spcPct val="107000"/>
+                        </a:lnSpc>
+                        <a:spcAft>
+                          <a:spcPts val="0"/>
+                        </a:spcAft>
+                      </a:pPr>
+                      <a:r>
+                        <a:rPr lang="ru-RU" sz="1200" dirty="0">
+                          <a:effectLst/>
+                        </a:rPr>
+                        <a:t>Возможность аннотировать видео и делать поиск для систем безопасности.</a:t>
+                      </a:r>
+                    </a:p>
+                    <a:p>
+                      <a:pPr marL="0" indent="0" algn="just">
+                        <a:lnSpc>
+                          <a:spcPct val="107000"/>
+                        </a:lnSpc>
+                        <a:spcAft>
+                          <a:spcPts val="0"/>
+                        </a:spcAft>
+                      </a:pPr>
+                      <a:r>
+                        <a:rPr lang="ru-RU" sz="1200" dirty="0">
+                          <a:effectLst/>
+                        </a:rPr>
+                        <a:t> </a:t>
+                      </a:r>
+                    </a:p>
+                    <a:p>
+                      <a:pPr marL="0" indent="0" algn="just">
+                        <a:lnSpc>
+                          <a:spcPct val="107000"/>
+                        </a:lnSpc>
+                        <a:spcAft>
+                          <a:spcPts val="0"/>
+                        </a:spcAft>
+                      </a:pPr>
+                      <a:r>
+                        <a:rPr lang="ru-RU" sz="1200" dirty="0">
+                          <a:effectLst/>
+                        </a:rPr>
+                        <a:t>Распознавать позы, опасные для человека или для окружающих.</a:t>
+                      </a:r>
+                    </a:p>
+                    <a:p>
+                      <a:pPr marL="457200" algn="just">
+                        <a:lnSpc>
+                          <a:spcPct val="107000"/>
+                        </a:lnSpc>
+                        <a:spcAft>
+                          <a:spcPts val="0"/>
+                        </a:spcAft>
+                      </a:pPr>
+                      <a:r>
+                        <a:rPr lang="ru-RU" sz="1200" dirty="0">
+                          <a:effectLst/>
+                        </a:rPr>
+                        <a:t> </a:t>
+                      </a:r>
+                      <a:endParaRPr lang="ru-RU" sz="1200" dirty="0">
+                        <a:effectLst/>
+                        <a:latin typeface="Times New Roman" panose="02020603050405020304" pitchFamily="18" charset="0"/>
+                        <a:ea typeface="Calibri" panose="020F0502020204030204" pitchFamily="34" charset="0"/>
+                        <a:cs typeface="Times New Roman" panose="02020603050405020304" pitchFamily="18" charset="0"/>
+                      </a:endParaRPr>
+                    </a:p>
+                  </a:txBody>
+                  <a:tcPr marL="68580" marR="68580" marT="0" marB="0"/>
+                </a:tc>
+              </a:tr>
+            </a:tbl>
+          </a:graphicData>
+        </a:graphic>
+      </p:graphicFrame>
+    </p:spTree>
+    <p:extLst>
+      <p:ext uri="{BB962C8B-B14F-4D97-AF65-F5344CB8AC3E}">
+        <p14:creationId xmlns:p14="http://schemas.microsoft.com/office/powerpoint/2010/main" val="1829761862"/>
+      </p:ext>
+    </p:extLst>
+  </p:cSld>
+  <p:clrMapOvr>
+    <a:masterClrMapping/>
+  </p:clrMapOvr>
+</p:sld>
+</file>
+
+<file path=ppt/slides/slide8.xml><?xml version="1.0" encoding="utf-8"?>
+<p:sld xmlns:a="http://schemas.openxmlformats.org/drawingml/2006/main" xmlns:r="http://schemas.openxmlformats.org/officeDocument/2006/relationships" xmlns:p="http://schemas.openxmlformats.org/presentationml/2006/main">
+  <p:cSld>
+    <p:spTree>
+      <p:nvGrpSpPr>
+        <p:cNvPr id="1" name=""/>
+        <p:cNvGrpSpPr/>
+        <p:nvPr/>
+      </p:nvGrpSpPr>
+      <p:grpSpPr>
+        <a:xfrm>
+          <a:off x="0" y="0"/>
+          <a:ext cx="0" cy="0"/>
+          <a:chOff x="0" y="0"/>
+          <a:chExt cx="0" cy="0"/>
+        </a:xfrm>
+      </p:grpSpPr>
+      <p:sp>
+        <p:nvSpPr>
+          <p:cNvPr id="2" name="Заголовок 1"/>
+          <p:cNvSpPr>
+            <a:spLocks noGrp="1"/>
+          </p:cNvSpPr>
+          <p:nvPr>
+            <p:ph type="title"/>
+          </p:nvPr>
+        </p:nvSpPr>
+        <p:spPr/>
+        <p:txBody>
+          <a:bodyPr>
+            <a:normAutofit/>
+          </a:bodyPr>
+          <a:lstStyle/>
+          <a:p>
+            <a:r>
+              <a:rPr lang="ru-RU" sz="3200" dirty="0">
+                <a:latin typeface="Times New Roman" pitchFamily="18" charset="0"/>
+                <a:cs typeface="Arial" charset="0"/>
+              </a:rPr>
+              <a:t>Выбор технических решений</a:t>
+            </a:r>
+            <a:endParaRPr lang="ru-RU" sz="3200" dirty="0"/>
+          </a:p>
+        </p:txBody>
+      </p:sp>
+      <p:graphicFrame>
+        <p:nvGraphicFramePr>
+          <p:cNvPr id="4" name="Объект 3"/>
+          <p:cNvGraphicFramePr>
+            <a:graphicFrameLocks noGrp="1"/>
+          </p:cNvGraphicFramePr>
+          <p:nvPr>
+            <p:ph idx="1"/>
+            <p:extLst>
+              <p:ext uri="{D42A27DB-BD31-4B8C-83A1-F6EECF244321}">
+                <p14:modId xmlns:p14="http://schemas.microsoft.com/office/powerpoint/2010/main" val="2600525860"/>
+              </p:ext>
+            </p:extLst>
+          </p:nvPr>
+        </p:nvGraphicFramePr>
+        <p:xfrm>
+          <a:off x="949738" y="1364026"/>
+          <a:ext cx="9604607" cy="5145261"/>
+        </p:xfrm>
+        <a:graphic>
+          <a:graphicData uri="http://schemas.openxmlformats.org/drawingml/2006/table">
+            <a:tbl>
+              <a:tblPr firstRow="1" firstCol="1" bandRow="1" bandCol="1">
+                <a:tableStyleId>{5C22544A-7EE6-4342-B048-85BDC9FD1C3A}</a:tableStyleId>
+              </a:tblPr>
+              <a:tblGrid>
+                <a:gridCol w="4679168"/>
+                <a:gridCol w="4925439"/>
+              </a:tblGrid>
+              <a:tr h="183401">
+                <a:tc>
+                  <a:txBody>
+                    <a:bodyPr/>
+                    <a:lstStyle/>
+                    <a:p>
+                      <a:pPr marR="36830">
+                        <a:lnSpc>
+                          <a:spcPct val="107000"/>
+                        </a:lnSpc>
+                        <a:spcAft>
+                          <a:spcPts val="0"/>
+                        </a:spcAft>
+                      </a:pPr>
+                      <a:r>
+                        <a:rPr lang="ru-RU" sz="1000" dirty="0">
+                          <a:effectLst/>
+                        </a:rPr>
+                        <a:t>Интересы заинтересованных сторон</a:t>
+                      </a:r>
+                      <a:endParaRPr lang="ru-RU" sz="1200" dirty="0">
+                        <a:effectLst/>
+                        <a:latin typeface="Times New Roman" panose="02020603050405020304" pitchFamily="18" charset="0"/>
+                        <a:ea typeface="Calibri" panose="020F0502020204030204" pitchFamily="34" charset="0"/>
+                        <a:cs typeface="Times New Roman" panose="02020603050405020304" pitchFamily="18" charset="0"/>
+                      </a:endParaRPr>
+                    </a:p>
+                  </a:txBody>
+                  <a:tcPr marL="66780" marR="66780" marT="0" marB="0"/>
+                </a:tc>
+                <a:tc>
+                  <a:txBody>
+                    <a:bodyPr/>
+                    <a:lstStyle/>
+                    <a:p>
+                      <a:pPr>
+                        <a:lnSpc>
+                          <a:spcPct val="107000"/>
+                        </a:lnSpc>
+                        <a:spcAft>
+                          <a:spcPts val="0"/>
+                        </a:spcAft>
+                      </a:pPr>
+                      <a:r>
+                        <a:rPr lang="ru-RU" sz="1000">
+                          <a:effectLst/>
+                        </a:rPr>
+                        <a:t>Технические решения</a:t>
+                      </a:r>
+                      <a:endParaRPr lang="ru-RU" sz="1200">
+                        <a:effectLst/>
+                        <a:latin typeface="Times New Roman" panose="02020603050405020304" pitchFamily="18" charset="0"/>
+                        <a:ea typeface="Calibri" panose="020F0502020204030204" pitchFamily="34" charset="0"/>
+                        <a:cs typeface="Times New Roman" panose="02020603050405020304" pitchFamily="18" charset="0"/>
+                      </a:endParaRPr>
+                    </a:p>
+                  </a:txBody>
+                  <a:tcPr marL="66780" marR="66780" marT="0" marB="0"/>
+                </a:tc>
+              </a:tr>
+              <a:tr h="4961860">
+                <a:tc>
+                  <a:txBody>
+                    <a:bodyPr/>
+                    <a:lstStyle/>
+                    <a:p>
+                      <a:pPr>
+                        <a:lnSpc>
+                          <a:spcPct val="107000"/>
+                        </a:lnSpc>
+                        <a:spcAft>
+                          <a:spcPts val="0"/>
+                        </a:spcAft>
+                      </a:pPr>
+                      <a:r>
+                        <a:rPr lang="ru-RU" sz="1200" dirty="0">
+                          <a:effectLst/>
+                        </a:rPr>
+                        <a:t>Точный поиск.</a:t>
+                      </a:r>
+                    </a:p>
+                    <a:p>
+                      <a:pPr>
+                        <a:lnSpc>
+                          <a:spcPct val="107000"/>
+                        </a:lnSpc>
+                        <a:spcAft>
+                          <a:spcPts val="0"/>
+                        </a:spcAft>
+                      </a:pPr>
+                      <a:r>
+                        <a:rPr lang="ru-RU" sz="1200" dirty="0">
+                          <a:effectLst/>
+                        </a:rPr>
+                        <a:t> </a:t>
+                      </a:r>
+                    </a:p>
+                    <a:p>
+                      <a:pPr>
+                        <a:lnSpc>
+                          <a:spcPct val="107000"/>
+                        </a:lnSpc>
+                        <a:spcAft>
+                          <a:spcPts val="0"/>
+                        </a:spcAft>
+                      </a:pPr>
+                      <a:r>
+                        <a:rPr lang="ru-RU" sz="1200" dirty="0">
+                          <a:effectLst/>
+                        </a:rPr>
+                        <a:t> </a:t>
+                      </a:r>
+                    </a:p>
+                    <a:p>
+                      <a:pPr>
+                        <a:lnSpc>
+                          <a:spcPct val="107000"/>
+                        </a:lnSpc>
+                        <a:spcAft>
+                          <a:spcPts val="0"/>
+                        </a:spcAft>
+                      </a:pPr>
+                      <a:r>
+                        <a:rPr lang="ru-RU" sz="1200" dirty="0">
+                          <a:effectLst/>
+                        </a:rPr>
+                        <a:t> </a:t>
+                      </a:r>
+                    </a:p>
+                    <a:p>
+                      <a:pPr>
+                        <a:lnSpc>
+                          <a:spcPct val="107000"/>
+                        </a:lnSpc>
+                        <a:spcAft>
+                          <a:spcPts val="0"/>
+                        </a:spcAft>
+                      </a:pPr>
+                      <a:r>
+                        <a:rPr lang="ru-RU" sz="1200" dirty="0">
+                          <a:effectLst/>
+                        </a:rPr>
+                        <a:t> </a:t>
+                      </a:r>
+                    </a:p>
+                    <a:p>
+                      <a:pPr>
+                        <a:lnSpc>
+                          <a:spcPct val="107000"/>
+                        </a:lnSpc>
+                        <a:spcAft>
+                          <a:spcPts val="0"/>
+                        </a:spcAft>
+                      </a:pPr>
+                      <a:r>
+                        <a:rPr lang="ru-RU" sz="1200" dirty="0">
+                          <a:effectLst/>
+                        </a:rPr>
+                        <a:t>Возможность поиска на фото и видео в трехмерном пространстве.</a:t>
+                      </a:r>
+                    </a:p>
+                    <a:p>
+                      <a:pPr>
+                        <a:lnSpc>
+                          <a:spcPct val="107000"/>
+                        </a:lnSpc>
+                        <a:spcAft>
+                          <a:spcPts val="0"/>
+                        </a:spcAft>
+                      </a:pPr>
+                      <a:r>
+                        <a:rPr lang="ru-RU" sz="1200" dirty="0">
+                          <a:effectLst/>
+                        </a:rPr>
+                        <a:t> </a:t>
+                      </a:r>
+                    </a:p>
+                    <a:p>
+                      <a:pPr>
+                        <a:lnSpc>
+                          <a:spcPct val="107000"/>
+                        </a:lnSpc>
+                        <a:spcAft>
+                          <a:spcPts val="0"/>
+                        </a:spcAft>
+                      </a:pPr>
+                      <a:r>
+                        <a:rPr lang="ru-RU" sz="1200" dirty="0">
+                          <a:effectLst/>
+                        </a:rPr>
+                        <a:t> </a:t>
+                      </a:r>
+                    </a:p>
+                    <a:p>
+                      <a:pPr>
+                        <a:lnSpc>
+                          <a:spcPct val="107000"/>
+                        </a:lnSpc>
+                        <a:spcAft>
+                          <a:spcPts val="0"/>
+                        </a:spcAft>
+                      </a:pPr>
+                      <a:r>
+                        <a:rPr lang="ru-RU" sz="1200" dirty="0">
+                          <a:effectLst/>
+                        </a:rPr>
+                        <a:t> </a:t>
+                      </a:r>
+                    </a:p>
+                    <a:p>
+                      <a:pPr>
+                        <a:lnSpc>
+                          <a:spcPct val="107000"/>
+                        </a:lnSpc>
+                        <a:spcAft>
+                          <a:spcPts val="0"/>
+                        </a:spcAft>
+                      </a:pPr>
+                      <a:r>
+                        <a:rPr lang="ru-RU" sz="1200" dirty="0">
+                          <a:effectLst/>
+                        </a:rPr>
+                        <a:t>Управление с помощью движений тела.</a:t>
+                      </a:r>
+                    </a:p>
+                    <a:p>
+                      <a:pPr>
+                        <a:lnSpc>
+                          <a:spcPct val="107000"/>
+                        </a:lnSpc>
+                        <a:spcAft>
+                          <a:spcPts val="0"/>
+                        </a:spcAft>
+                      </a:pPr>
+                      <a:r>
+                        <a:rPr lang="ru-RU" sz="1200" dirty="0">
+                          <a:effectLst/>
+                        </a:rPr>
+                        <a:t> </a:t>
+                      </a:r>
+                    </a:p>
+                    <a:p>
+                      <a:pPr>
+                        <a:lnSpc>
+                          <a:spcPct val="107000"/>
+                        </a:lnSpc>
+                        <a:spcAft>
+                          <a:spcPts val="0"/>
+                        </a:spcAft>
+                      </a:pPr>
+                      <a:r>
+                        <a:rPr lang="ru-RU" sz="1200" dirty="0">
+                          <a:effectLst/>
+                        </a:rPr>
+                        <a:t>Отслеживание движений при распознавании.</a:t>
+                      </a:r>
+                    </a:p>
+                    <a:p>
+                      <a:pPr>
+                        <a:lnSpc>
+                          <a:spcPct val="107000"/>
+                        </a:lnSpc>
+                        <a:spcAft>
+                          <a:spcPts val="0"/>
+                        </a:spcAft>
+                      </a:pPr>
+                      <a:r>
+                        <a:rPr lang="ru-RU" sz="1200" dirty="0">
+                          <a:effectLst/>
+                        </a:rPr>
+                        <a:t> </a:t>
+                      </a:r>
+                    </a:p>
+                    <a:p>
+                      <a:pPr marL="0" indent="0" algn="just">
+                        <a:lnSpc>
+                          <a:spcPct val="107000"/>
+                        </a:lnSpc>
+                        <a:spcAft>
+                          <a:spcPts val="0"/>
+                        </a:spcAft>
+                      </a:pPr>
+                      <a:r>
+                        <a:rPr lang="ru-RU" sz="1200" dirty="0">
+                          <a:effectLst/>
+                        </a:rPr>
+                        <a:t>Возможность аннотировать видео и делать поиск для систем безопасности.</a:t>
+                      </a:r>
+                    </a:p>
+                    <a:p>
+                      <a:pPr marL="457200" algn="just">
+                        <a:lnSpc>
+                          <a:spcPct val="107000"/>
+                        </a:lnSpc>
+                        <a:spcAft>
+                          <a:spcPts val="0"/>
+                        </a:spcAft>
+                      </a:pPr>
+                      <a:r>
+                        <a:rPr lang="ru-RU" sz="1200" dirty="0">
+                          <a:effectLst/>
+                        </a:rPr>
+                        <a:t> </a:t>
+                      </a:r>
+                    </a:p>
+                    <a:p>
+                      <a:pPr>
+                        <a:lnSpc>
+                          <a:spcPct val="107000"/>
+                        </a:lnSpc>
+                        <a:spcAft>
+                          <a:spcPts val="0"/>
+                        </a:spcAft>
+                      </a:pPr>
+                      <a:r>
+                        <a:rPr lang="ru-RU" sz="1200" dirty="0">
+                          <a:effectLst/>
+                        </a:rPr>
+                        <a:t>Распознавать позы, опасные для человека или для окружающих.</a:t>
+                      </a:r>
+                    </a:p>
+                    <a:p>
+                      <a:pPr marR="36830">
+                        <a:lnSpc>
+                          <a:spcPct val="107000"/>
+                        </a:lnSpc>
+                        <a:spcAft>
+                          <a:spcPts val="0"/>
+                        </a:spcAft>
+                      </a:pPr>
+                      <a:r>
+                        <a:rPr lang="ru-RU" sz="1000" dirty="0">
+                          <a:effectLst/>
+                        </a:rPr>
+                        <a:t> </a:t>
+                      </a:r>
+                      <a:endParaRPr lang="ru-RU" sz="1200" dirty="0">
+                        <a:effectLst/>
+                        <a:latin typeface="Times New Roman" panose="02020603050405020304" pitchFamily="18" charset="0"/>
+                        <a:ea typeface="Calibri" panose="020F0502020204030204" pitchFamily="34" charset="0"/>
+                        <a:cs typeface="Times New Roman" panose="02020603050405020304" pitchFamily="18" charset="0"/>
+                      </a:endParaRPr>
+                    </a:p>
+                  </a:txBody>
+                  <a:tcPr marL="66780" marR="66780" marT="0" marB="0"/>
+                </a:tc>
+                <a:tc>
+                  <a:txBody>
+                    <a:bodyPr/>
+                    <a:lstStyle/>
+                    <a:p>
+                      <a:pPr>
+                        <a:lnSpc>
+                          <a:spcPct val="107000"/>
+                        </a:lnSpc>
+                        <a:spcAft>
+                          <a:spcPts val="0"/>
+                        </a:spcAft>
+                      </a:pPr>
+                      <a:r>
+                        <a:rPr lang="ru-RU" sz="1200" dirty="0">
+                          <a:effectLst/>
+                        </a:rPr>
+                        <a:t>Точное распознавание поз обеспечивается количеством учитываемых соединений тел человека, а именно 15 основных суставов и соединений.</a:t>
+                      </a:r>
+                    </a:p>
+                    <a:p>
+                      <a:pPr>
+                        <a:lnSpc>
+                          <a:spcPct val="107000"/>
+                        </a:lnSpc>
+                        <a:spcAft>
+                          <a:spcPts val="0"/>
+                        </a:spcAft>
+                      </a:pPr>
+                      <a:r>
+                        <a:rPr lang="ru-RU" sz="1200" dirty="0">
+                          <a:effectLst/>
+                        </a:rPr>
+                        <a:t> </a:t>
+                      </a:r>
+                    </a:p>
+                    <a:p>
+                      <a:pPr>
+                        <a:lnSpc>
+                          <a:spcPct val="107000"/>
+                        </a:lnSpc>
+                        <a:spcAft>
+                          <a:spcPts val="0"/>
+                        </a:spcAft>
+                      </a:pPr>
+                      <a:r>
+                        <a:rPr lang="ru-RU" sz="1200" dirty="0">
+                          <a:effectLst/>
+                        </a:rPr>
+                        <a:t>Возможность поиска в трехмерном пространстве существует из-за наличия у каждой точки соединения (сустава) пространственной координаты.</a:t>
+                      </a:r>
+                    </a:p>
+                    <a:p>
+                      <a:pPr>
+                        <a:lnSpc>
+                          <a:spcPct val="107000"/>
+                        </a:lnSpc>
+                        <a:spcAft>
+                          <a:spcPts val="0"/>
+                        </a:spcAft>
+                      </a:pPr>
+                      <a:r>
+                        <a:rPr lang="ru-RU" sz="1200" dirty="0">
+                          <a:effectLst/>
+                        </a:rPr>
+                        <a:t> </a:t>
+                      </a:r>
+                    </a:p>
+                    <a:p>
+                      <a:pPr>
+                        <a:lnSpc>
+                          <a:spcPct val="107000"/>
+                        </a:lnSpc>
+                        <a:spcAft>
+                          <a:spcPts val="0"/>
+                        </a:spcAft>
+                      </a:pPr>
+                      <a:r>
+                        <a:rPr lang="ru-RU" sz="1200" dirty="0">
+                          <a:effectLst/>
+                        </a:rPr>
+                        <a:t>Использование кватерниона делает возможным прослеживание движений и поворотов человека на видео.</a:t>
+                      </a:r>
+                    </a:p>
+                    <a:p>
+                      <a:pPr>
+                        <a:lnSpc>
+                          <a:spcPct val="107000"/>
+                        </a:lnSpc>
+                        <a:spcAft>
+                          <a:spcPts val="0"/>
+                        </a:spcAft>
+                      </a:pPr>
+                      <a:r>
+                        <a:rPr lang="ru-RU" sz="1200" dirty="0">
+                          <a:effectLst/>
+                        </a:rPr>
+                        <a:t> </a:t>
+                      </a:r>
+                    </a:p>
+                    <a:p>
+                      <a:pPr>
+                        <a:lnSpc>
+                          <a:spcPct val="107000"/>
+                        </a:lnSpc>
+                        <a:spcAft>
+                          <a:spcPts val="0"/>
+                        </a:spcAft>
+                      </a:pPr>
+                      <a:r>
+                        <a:rPr lang="ru-RU" sz="1200" dirty="0">
+                          <a:effectLst/>
+                        </a:rPr>
+                        <a:t> </a:t>
+                      </a:r>
+                    </a:p>
+                    <a:p>
+                      <a:pPr>
+                        <a:lnSpc>
+                          <a:spcPct val="107000"/>
+                        </a:lnSpc>
+                        <a:spcAft>
+                          <a:spcPts val="0"/>
+                        </a:spcAft>
+                      </a:pPr>
+                      <a:r>
+                        <a:rPr lang="ru-RU" sz="1200" dirty="0" err="1">
+                          <a:effectLst/>
+                        </a:rPr>
+                        <a:t>Аннотатор</a:t>
+                      </a:r>
+                      <a:r>
+                        <a:rPr lang="ru-RU" sz="1200" dirty="0">
+                          <a:effectLst/>
+                        </a:rPr>
+                        <a:t> можно настроить таким образом, чтобы эталонной позой была интересующая нас. Как следствие, он выделит то, что мы ищем. Например: обморок, припадок, агрессивные позы или же руки, поднятые вверх.</a:t>
+                      </a:r>
+                    </a:p>
+                    <a:p>
+                      <a:pPr>
+                        <a:lnSpc>
+                          <a:spcPct val="107000"/>
+                        </a:lnSpc>
+                        <a:spcAft>
+                          <a:spcPts val="0"/>
+                        </a:spcAft>
+                      </a:pPr>
+                      <a:r>
+                        <a:rPr lang="ru-RU" sz="1200" dirty="0">
+                          <a:effectLst/>
+                        </a:rPr>
+                        <a:t> </a:t>
+                      </a:r>
+                      <a:endParaRPr lang="ru-RU" sz="1200" dirty="0">
+                        <a:effectLst/>
+                        <a:latin typeface="Times New Roman" panose="02020603050405020304" pitchFamily="18" charset="0"/>
+                        <a:ea typeface="Calibri" panose="020F0502020204030204" pitchFamily="34" charset="0"/>
+                        <a:cs typeface="Times New Roman" panose="02020603050405020304" pitchFamily="18" charset="0"/>
+                      </a:endParaRPr>
+                    </a:p>
+                  </a:txBody>
+                  <a:tcPr marL="66780" marR="66780" marT="0" marB="0"/>
+                </a:tc>
+              </a:tr>
+            </a:tbl>
+          </a:graphicData>
+        </a:graphic>
+      </p:graphicFrame>
+    </p:spTree>
+    <p:extLst>
+      <p:ext uri="{BB962C8B-B14F-4D97-AF65-F5344CB8AC3E}">
+        <p14:creationId xmlns:p14="http://schemas.microsoft.com/office/powerpoint/2010/main" val="1399230067"/>
+      </p:ext>
+    </p:extLst>
+  </p:cSld>
+  <p:clrMapOvr>
+    <a:masterClrMapping/>
+  </p:clrMapOvr>
+</p:sld>
+</file>
+
+<file path=ppt/slides/slide9.xml><?xml version="1.0" encoding="utf-8"?>
+<p:sld xmlns:a="http://schemas.openxmlformats.org/drawingml/2006/main" xmlns:r="http://schemas.openxmlformats.org/officeDocument/2006/relationships" xmlns:p="http://schemas.openxmlformats.org/presentationml/2006/main">
+  <p:cSld>
+    <p:spTree>
+      <p:nvGrpSpPr>
+        <p:cNvPr id="1" name=""/>
+        <p:cNvGrpSpPr/>
+        <p:nvPr/>
+      </p:nvGrpSpPr>
+      <p:grpSpPr>
+        <a:xfrm>
+          <a:off x="0" y="0"/>
+          <a:ext cx="0" cy="0"/>
+          <a:chOff x="0" y="0"/>
+          <a:chExt cx="0" cy="0"/>
+        </a:xfrm>
+      </p:grpSpPr>
+      <p:sp>
+        <p:nvSpPr>
+          <p:cNvPr id="2" name="Заголовок 1"/>
+          <p:cNvSpPr>
+            <a:spLocks noGrp="1"/>
+          </p:cNvSpPr>
+          <p:nvPr>
+            <p:ph type="title"/>
+          </p:nvPr>
+        </p:nvSpPr>
+        <p:spPr/>
+        <p:txBody>
+          <a:bodyPr/>
+          <a:lstStyle/>
+          <a:p>
+            <a:r>
+              <a:rPr lang="ru-RU" dirty="0" smtClean="0">
+                <a:latin typeface="Times New Roman" panose="02020603050405020304" pitchFamily="18" charset="0"/>
+                <a:cs typeface="Times New Roman" panose="02020603050405020304" pitchFamily="18" charset="0"/>
+              </a:rPr>
+              <a:t>Диаграмма компонентов программы</a:t>
+            </a:r>
+            <a:endParaRPr lang="ru-RU" dirty="0">
+              <a:latin typeface="Times New Roman" panose="02020603050405020304" pitchFamily="18" charset="0"/>
+              <a:cs typeface="Times New Roman" panose="02020603050405020304" pitchFamily="18" charset="0"/>
+            </a:endParaRPr>
+          </a:p>
+        </p:txBody>
+      </p:sp>
+      <p:pic>
+        <p:nvPicPr>
+          <p:cNvPr id="2050" name="Picture 2" descr="Снимок"/>
+          <p:cNvPicPr>
+            <a:picLocks noChangeAspect="1" noChangeArrowheads="1"/>
+          </p:cNvPicPr>
+          <p:nvPr/>
+        </p:nvPicPr>
+        <p:blipFill>
+          <a:blip r:embed="rId2">
+            <a:extLst>
+              <a:ext uri="{28A0092B-C50C-407E-A947-70E740481C1C}">
+                <a14:useLocalDpi xmlns:a14="http://schemas.microsoft.com/office/drawing/2010/main" val="0"/>
+              </a:ext>
+            </a:extLst>
+          </a:blip>
+          <a:srcRect/>
+          <a:stretch>
+            <a:fillRect/>
+          </a:stretch>
+        </p:blipFill>
+        <p:spPr bwMode="auto">
+          <a:xfrm>
+            <a:off x="2392680" y="1462088"/>
+            <a:ext cx="6659880" cy="5119043"/>
+          </a:xfrm>
+          <a:prstGeom prst="rect">
+            <a:avLst/>
+          </a:prstGeom>
+          <a:noFill/>
+          <a:ln>
+            <a:noFill/>
+          </a:ln>
+          <a:extLst>
+            <a:ext uri="{909E8E84-426E-40DD-AFC4-6F175D3DCCD1}">
+              <a14:hiddenFill xmlns:a14="http://schemas.microsoft.com/office/drawing/2010/main">
+                <a:solidFill>
+                  <a:srgbClr val="FFFFFF"/>
+                </a:solidFill>
+              </a14:hiddenFill>
+            </a:ext>
+            <a:ext uri="{91240B29-F687-4F45-9708-019B960494DF}">
+              <a14:hiddenLine xmlns:a14="http://schemas.microsoft.com/office/drawing/2010/main" w="9525">
+                <a:solidFill>
+                  <a:srgbClr val="000000"/>
+                </a:solidFill>
+                <a:miter lim="800000"/>
+                <a:headEnd/>
+                <a:tailEnd/>
+              </a14:hiddenLine>
+            </a:ext>
+          </a:extLst>
+        </p:spPr>
+      </p:pic>
+    </p:spTree>
+    <p:extLst>
+      <p:ext uri="{BB962C8B-B14F-4D97-AF65-F5344CB8AC3E}">
+        <p14:creationId xmlns:p14="http://schemas.microsoft.com/office/powerpoint/2010/main" val="1817818739"/>
       </p:ext>
     </p:extLst>
   </p:cSld>
